--- a/profile dis pdb.pptx
+++ b/profile dis pdb.pptx
@@ -10,22 +10,23 @@
     <p:sldId id="258" r:id="rId4"/>
     <p:sldId id="259" r:id="rId5"/>
     <p:sldId id="264" r:id="rId6"/>
-    <p:sldId id="276" r:id="rId7"/>
-    <p:sldId id="262" r:id="rId8"/>
-    <p:sldId id="265" r:id="rId9"/>
-    <p:sldId id="269" r:id="rId10"/>
-    <p:sldId id="263" r:id="rId11"/>
-    <p:sldId id="266" r:id="rId12"/>
-    <p:sldId id="267" r:id="rId13"/>
-    <p:sldId id="268" r:id="rId14"/>
-    <p:sldId id="270" r:id="rId15"/>
-    <p:sldId id="275" r:id="rId16"/>
-    <p:sldId id="271" r:id="rId17"/>
-    <p:sldId id="272" r:id="rId18"/>
-    <p:sldId id="273" r:id="rId19"/>
-    <p:sldId id="274" r:id="rId20"/>
-    <p:sldId id="277" r:id="rId21"/>
-    <p:sldId id="278" r:id="rId22"/>
+    <p:sldId id="279" r:id="rId7"/>
+    <p:sldId id="276" r:id="rId8"/>
+    <p:sldId id="262" r:id="rId9"/>
+    <p:sldId id="265" r:id="rId10"/>
+    <p:sldId id="269" r:id="rId11"/>
+    <p:sldId id="263" r:id="rId12"/>
+    <p:sldId id="266" r:id="rId13"/>
+    <p:sldId id="267" r:id="rId14"/>
+    <p:sldId id="268" r:id="rId15"/>
+    <p:sldId id="270" r:id="rId16"/>
+    <p:sldId id="275" r:id="rId17"/>
+    <p:sldId id="271" r:id="rId18"/>
+    <p:sldId id="272" r:id="rId19"/>
+    <p:sldId id="273" r:id="rId20"/>
+    <p:sldId id="274" r:id="rId21"/>
+    <p:sldId id="277" r:id="rId22"/>
+    <p:sldId id="278" r:id="rId23"/>
   </p:sldIdLst>
   <p:sldSz cx="9144000" cy="6858000" type="screen4x3"/>
   <p:notesSz cx="6858000" cy="9144000"/>
@@ -5043,6 +5044,13 @@
   <p:clrMapOvr>
     <a:masterClrMapping/>
   </p:clrMapOvr>
+  <p:timing>
+    <p:tnLst>
+      <p:par>
+        <p:cTn xmlns:p14="http://schemas.microsoft.com/office/powerpoint/2010/main" id="1" dur="indefinite" restart="never" nodeType="tmRoot"/>
+      </p:par>
+    </p:tnLst>
+  </p:timing>
 </p:sld>
 </file>
 
@@ -5065,37 +5073,14 @@
       </p:grpSpPr>
       <p:sp>
         <p:nvSpPr>
-          <p:cNvPr id="2" name="Title 1"/>
-          <p:cNvSpPr>
-            <a:spLocks noGrp="1"/>
-          </p:cNvSpPr>
-          <p:nvPr>
-            <p:ph type="title"/>
-          </p:nvPr>
-        </p:nvSpPr>
-        <p:spPr/>
-        <p:txBody>
-          <a:bodyPr/>
-          <a:lstStyle/>
-          <a:p>
-            <a:r>
-              <a:rPr lang="en-US" dirty="0" smtClean="0"/>
-              <a:t>Sample Profiling</a:t>
-            </a:r>
-            <a:endParaRPr lang="en-US" dirty="0"/>
-          </a:p>
-        </p:txBody>
-      </p:sp>
-      <p:sp>
-        <p:nvSpPr>
-          <p:cNvPr id="5" name="TextBox 4"/>
+          <p:cNvPr id="2" name="TextBox 1"/>
           <p:cNvSpPr txBox="1"/>
           <p:nvPr/>
         </p:nvSpPr>
         <p:spPr>
           <a:xfrm>
-            <a:off x="79161" y="2280166"/>
-            <a:ext cx="9064839" cy="3323987"/>
+            <a:off x="940025" y="320023"/>
+            <a:ext cx="5080139" cy="6463309"/>
           </a:xfrm>
           <a:prstGeom prst="rect">
             <a:avLst/>
@@ -5109,236 +5094,351 @@
           <a:lstStyle/>
           <a:p>
             <a:r>
-              <a:rPr lang="en-US" sz="1600" dirty="0"/>
-              <a:t>python -m </a:t>
-            </a:r>
-            <a:r>
-              <a:rPr lang="en-US" sz="1600" dirty="0" err="1"/>
-              <a:t>cProfile</a:t>
-            </a:r>
-            <a:r>
-              <a:rPr lang="en-US" sz="1600" dirty="0"/>
+              <a:rPr lang="en-US" i="1" dirty="0" smtClean="0">
+                <a:solidFill>
+                  <a:schemeClr val="tx2">
+                    <a:lumMod val="50000"/>
+                    <a:lumOff val="50000"/>
+                  </a:schemeClr>
+                </a:solidFill>
+              </a:rPr>
+              <a:t># </a:t>
+            </a:r>
+            <a:r>
+              <a:rPr lang="en-US" i="1" dirty="0" err="1" smtClean="0">
+                <a:solidFill>
+                  <a:schemeClr val="tx2">
+                    <a:lumMod val="50000"/>
+                    <a:lumOff val="50000"/>
+                  </a:schemeClr>
+                </a:solidFill>
+              </a:rPr>
+              <a:t>sample.py</a:t>
+            </a:r>
+            <a:endParaRPr lang="en-US" i="1" dirty="0" smtClean="0">
+              <a:solidFill>
+                <a:schemeClr val="tx2">
+                  <a:lumMod val="50000"/>
+                  <a:lumOff val="50000"/>
+                </a:schemeClr>
+              </a:solidFill>
+            </a:endParaRPr>
+          </a:p>
+          <a:p>
+            <a:r>
+              <a:rPr lang="en-US" b="1" dirty="0" smtClean="0"/>
+              <a:t>import</a:t>
+            </a:r>
+            <a:r>
+              <a:rPr lang="en-US" dirty="0" smtClean="0"/>
               <a:t> </a:t>
             </a:r>
             <a:r>
-              <a:rPr lang="en-US" sz="1600" dirty="0" err="1" smtClean="0"/>
-              <a:t>sample.py</a:t>
-            </a:r>
-            <a:endParaRPr lang="en-US" sz="1600" dirty="0" smtClean="0"/>
-          </a:p>
-          <a:p>
-            <a:endParaRPr lang="en-US" sz="1600" dirty="0"/>
-          </a:p>
-          <a:p>
-            <a:r>
-              <a:rPr lang="en-US" sz="1600" dirty="0"/>
-              <a:t>         153 function calls in 5.055 seconds</a:t>
-            </a:r>
-          </a:p>
-          <a:p>
-            <a:endParaRPr lang="en-US" sz="1600" dirty="0"/>
-          </a:p>
-          <a:p>
-            <a:r>
-              <a:rPr lang="en-US" sz="1600" dirty="0"/>
-              <a:t>   Ordered by: standard name</a:t>
+              <a:rPr lang="en-US" dirty="0"/>
+              <a:t>time</a:t>
             </a:r>
           </a:p>
           <a:p>
             <a:endParaRPr lang="en-US" dirty="0"/>
           </a:p>
           <a:p>
-            <a:r>
-              <a:rPr lang="en-US" sz="1600" dirty="0" err="1" smtClean="0">
+            <a:endParaRPr lang="en-US" dirty="0"/>
+          </a:p>
+          <a:p>
+            <a:r>
+              <a:rPr lang="en-US" b="1" dirty="0" err="1"/>
+              <a:t>def</a:t>
+            </a:r>
+            <a:r>
+              <a:rPr lang="en-US" dirty="0"/>
+              <a:t> </a:t>
+            </a:r>
+            <a:r>
+              <a:rPr lang="en-US" dirty="0" err="1">
                 <a:solidFill>
                   <a:srgbClr val="800000"/>
                 </a:solidFill>
               </a:rPr>
-              <a:t>ncalls</a:t>
-            </a:r>
-            <a:r>
-              <a:rPr lang="en-US" sz="1600" dirty="0" smtClean="0">
+              <a:t>i_am_slow</a:t>
+            </a:r>
+            <a:r>
+              <a:rPr lang="en-US" dirty="0"/>
+              <a:t>(n):</a:t>
+            </a:r>
+          </a:p>
+          <a:p>
+            <a:r>
+              <a:rPr lang="en-US" dirty="0"/>
+              <a:t>    </a:t>
+            </a:r>
+            <a:r>
+              <a:rPr lang="en-US" dirty="0" err="1"/>
+              <a:t>time.sleep</a:t>
+            </a:r>
+            <a:r>
+              <a:rPr lang="en-US" dirty="0"/>
+              <a:t>(</a:t>
+            </a:r>
+            <a:r>
+              <a:rPr lang="en-US" dirty="0">
+                <a:solidFill>
+                  <a:srgbClr val="008000"/>
+                </a:solidFill>
+              </a:rPr>
+              <a:t>0.1</a:t>
+            </a:r>
+            <a:r>
+              <a:rPr lang="en-US" dirty="0"/>
+              <a:t>)</a:t>
+            </a:r>
+          </a:p>
+          <a:p>
+            <a:r>
+              <a:rPr lang="en-US" dirty="0"/>
+              <a:t>    </a:t>
+            </a:r>
+            <a:r>
+              <a:rPr lang="en-US" b="1" dirty="0"/>
+              <a:t>return</a:t>
+            </a:r>
+            <a:r>
+              <a:rPr lang="en-US" dirty="0"/>
+              <a:t> n - </a:t>
+            </a:r>
+            <a:r>
+              <a:rPr lang="en-US" dirty="0">
+                <a:solidFill>
+                  <a:srgbClr val="008000"/>
+                </a:solidFill>
+              </a:rPr>
+              <a:t>1</a:t>
+            </a:r>
+          </a:p>
+          <a:p>
+            <a:endParaRPr lang="en-US" dirty="0"/>
+          </a:p>
+          <a:p>
+            <a:endParaRPr lang="en-US" dirty="0"/>
+          </a:p>
+          <a:p>
+            <a:r>
+              <a:rPr lang="en-US" b="1" dirty="0" err="1"/>
+              <a:t>def</a:t>
+            </a:r>
+            <a:r>
+              <a:rPr lang="en-US" dirty="0"/>
+              <a:t> </a:t>
+            </a:r>
+            <a:r>
+              <a:rPr lang="en-US" dirty="0" err="1">
                 <a:solidFill>
                   <a:srgbClr val="800000"/>
                 </a:solidFill>
               </a:rPr>
-              <a:t>  </a:t>
-            </a:r>
-            <a:r>
-              <a:rPr lang="en-US" sz="1600" dirty="0" err="1">
+              <a:t>i_am_fast</a:t>
+            </a:r>
+            <a:r>
+              <a:rPr lang="en-US" dirty="0"/>
+              <a:t>(n):</a:t>
+            </a:r>
+          </a:p>
+          <a:p>
+            <a:r>
+              <a:rPr lang="en-US" dirty="0"/>
+              <a:t>    </a:t>
+            </a:r>
+            <a:r>
+              <a:rPr lang="en-US" b="1" dirty="0"/>
+              <a:t>return</a:t>
+            </a:r>
+            <a:r>
+              <a:rPr lang="en-US" dirty="0"/>
+              <a:t> n - </a:t>
+            </a:r>
+            <a:r>
+              <a:rPr lang="en-US" dirty="0">
+                <a:solidFill>
+                  <a:srgbClr val="008000"/>
+                </a:solidFill>
+              </a:rPr>
+              <a:t>1</a:t>
+            </a:r>
+          </a:p>
+          <a:p>
+            <a:endParaRPr lang="en-US" dirty="0"/>
+          </a:p>
+          <a:p>
+            <a:endParaRPr lang="en-US" dirty="0"/>
+          </a:p>
+          <a:p>
+            <a:r>
+              <a:rPr lang="en-US" b="1" dirty="0" err="1"/>
+              <a:t>def</a:t>
+            </a:r>
+            <a:r>
+              <a:rPr lang="en-US" dirty="0"/>
+              <a:t> </a:t>
+            </a:r>
+            <a:r>
+              <a:rPr lang="en-US" dirty="0">
                 <a:solidFill>
                   <a:srgbClr val="800000"/>
                 </a:solidFill>
               </a:rPr>
-              <a:t>tottime</a:t>
-            </a:r>
-            <a:r>
-              <a:rPr lang="en-US" sz="1600" dirty="0">
-                <a:solidFill>
-                  <a:srgbClr val="800000"/>
+              <a:t>parent</a:t>
+            </a:r>
+            <a:r>
+              <a:rPr lang="en-US" dirty="0"/>
+              <a:t>(total):</a:t>
+            </a:r>
+          </a:p>
+          <a:p>
+            <a:r>
+              <a:rPr lang="en-US" dirty="0"/>
+              <a:t>    </a:t>
+            </a:r>
+            <a:r>
+              <a:rPr lang="en-US" b="1" dirty="0"/>
+              <a:t>for</a:t>
+            </a:r>
+            <a:r>
+              <a:rPr lang="en-US" dirty="0"/>
+              <a:t> n </a:t>
+            </a:r>
+            <a:r>
+              <a:rPr lang="en-US" b="1" dirty="0"/>
+              <a:t>in</a:t>
+            </a:r>
+            <a:r>
+              <a:rPr lang="en-US" dirty="0"/>
+              <a:t> </a:t>
+            </a:r>
+            <a:r>
+              <a:rPr lang="en-US" dirty="0" err="1">
+                <a:solidFill>
+                  <a:srgbClr val="3366FF"/>
                 </a:solidFill>
               </a:rPr>
-              <a:t>  </a:t>
-            </a:r>
-            <a:r>
-              <a:rPr lang="en-US" sz="1600" dirty="0" err="1">
-                <a:solidFill>
-                  <a:srgbClr val="800000"/>
+              <a:t>xrange</a:t>
+            </a:r>
+            <a:r>
+              <a:rPr lang="en-US" dirty="0"/>
+              <a:t>(total):</a:t>
+            </a:r>
+          </a:p>
+          <a:p>
+            <a:r>
+              <a:rPr lang="en-US" dirty="0"/>
+              <a:t>        </a:t>
+            </a:r>
+            <a:r>
+              <a:rPr lang="en-US" b="1" dirty="0"/>
+              <a:t>if</a:t>
+            </a:r>
+            <a:r>
+              <a:rPr lang="en-US" dirty="0"/>
+              <a:t> n % </a:t>
+            </a:r>
+            <a:r>
+              <a:rPr lang="en-US" dirty="0">
+                <a:solidFill>
+                  <a:srgbClr val="008000"/>
                 </a:solidFill>
               </a:rPr>
-              <a:t>percall</a:t>
-            </a:r>
-            <a:r>
-              <a:rPr lang="en-US" sz="1600" dirty="0">
-                <a:solidFill>
-                  <a:srgbClr val="800000"/>
+              <a:t>2</a:t>
+            </a:r>
+            <a:r>
+              <a:rPr lang="en-US" dirty="0"/>
+              <a:t> == </a:t>
+            </a:r>
+            <a:r>
+              <a:rPr lang="en-US" dirty="0">
+                <a:solidFill>
+                  <a:srgbClr val="008000"/>
                 </a:solidFill>
               </a:rPr>
-              <a:t>  </a:t>
-            </a:r>
-            <a:r>
-              <a:rPr lang="en-US" sz="1600" dirty="0" err="1">
-                <a:solidFill>
-                  <a:srgbClr val="800000"/>
+              <a:t>0</a:t>
+            </a:r>
+            <a:r>
+              <a:rPr lang="en-US" dirty="0"/>
+              <a:t>:</a:t>
+            </a:r>
+          </a:p>
+          <a:p>
+            <a:r>
+              <a:rPr lang="en-US" dirty="0"/>
+              <a:t>            </a:t>
+            </a:r>
+            <a:r>
+              <a:rPr lang="en-US" dirty="0" err="1"/>
+              <a:t>i_am_slow</a:t>
+            </a:r>
+            <a:r>
+              <a:rPr lang="en-US" dirty="0"/>
+              <a:t>(n)</a:t>
+            </a:r>
+          </a:p>
+          <a:p>
+            <a:r>
+              <a:rPr lang="en-US" dirty="0"/>
+              <a:t>        </a:t>
+            </a:r>
+            <a:r>
+              <a:rPr lang="en-US" b="1" dirty="0"/>
+              <a:t>else</a:t>
+            </a:r>
+            <a:r>
+              <a:rPr lang="en-US" dirty="0"/>
+              <a:t>:</a:t>
+            </a:r>
+          </a:p>
+          <a:p>
+            <a:r>
+              <a:rPr lang="en-US" dirty="0"/>
+              <a:t>            </a:t>
+            </a:r>
+            <a:r>
+              <a:rPr lang="en-US" dirty="0" err="1"/>
+              <a:t>i_am_fast</a:t>
+            </a:r>
+            <a:r>
+              <a:rPr lang="en-US" dirty="0"/>
+              <a:t>(n)</a:t>
+            </a:r>
+          </a:p>
+          <a:p>
+            <a:endParaRPr lang="en-US" dirty="0"/>
+          </a:p>
+          <a:p>
+            <a:endParaRPr lang="en-US" dirty="0"/>
+          </a:p>
+          <a:p>
+            <a:r>
+              <a:rPr lang="en-US" dirty="0"/>
+              <a:t>parent(</a:t>
+            </a:r>
+            <a:r>
+              <a:rPr lang="en-US" dirty="0">
+                <a:solidFill>
+                  <a:srgbClr val="008000"/>
                 </a:solidFill>
               </a:rPr>
-              <a:t>cumtime</a:t>
-            </a:r>
-            <a:r>
-              <a:rPr lang="en-US" sz="1600" dirty="0">
-                <a:solidFill>
-                  <a:srgbClr val="800000"/>
-                </a:solidFill>
-              </a:rPr>
-              <a:t>  </a:t>
-            </a:r>
-            <a:r>
-              <a:rPr lang="en-US" sz="1600" dirty="0" err="1">
-                <a:solidFill>
-                  <a:srgbClr val="800000"/>
-                </a:solidFill>
-              </a:rPr>
-              <a:t>percall</a:t>
-            </a:r>
-            <a:r>
-              <a:rPr lang="en-US" sz="1600" dirty="0">
-                <a:solidFill>
-                  <a:srgbClr val="800000"/>
-                </a:solidFill>
-              </a:rPr>
-              <a:t> </a:t>
-            </a:r>
-            <a:r>
-              <a:rPr lang="en-US" sz="1600" dirty="0" err="1">
-                <a:solidFill>
-                  <a:srgbClr val="800000"/>
-                </a:solidFill>
-              </a:rPr>
-              <a:t>filename:lineno</a:t>
-            </a:r>
-            <a:r>
-              <a:rPr lang="en-US" sz="1600" dirty="0">
-                <a:solidFill>
-                  <a:srgbClr val="800000"/>
-                </a:solidFill>
-              </a:rPr>
-              <a:t>(function)</a:t>
-            </a:r>
-          </a:p>
-          <a:p>
-            <a:r>
-              <a:rPr lang="en-US" sz="1600" dirty="0" smtClean="0"/>
-              <a:t>        1     0.002      0.002        5.055     5.055  sample.py</a:t>
-            </a:r>
-            <a:r>
-              <a:rPr lang="en-US" sz="1600" dirty="0"/>
-              <a:t>:1(&lt;module&gt;)</a:t>
-            </a:r>
-          </a:p>
-          <a:p>
-            <a:r>
-              <a:rPr lang="en-US" sz="1600" dirty="0" smtClean="0"/>
-              <a:t>        1     0.001      0.001        5.053     5.053  sample.py</a:t>
-            </a:r>
-            <a:r>
-              <a:rPr lang="en-US" sz="1600" dirty="0"/>
-              <a:t>:13(parent)</a:t>
-            </a:r>
-          </a:p>
-          <a:p>
-            <a:r>
-              <a:rPr lang="en-US" sz="1600" dirty="0" smtClean="0"/>
-              <a:t>      50     0.001      0.000        5.052     0.101  sample.py</a:t>
-            </a:r>
-            <a:r>
-              <a:rPr lang="en-US" sz="1600" dirty="0"/>
-              <a:t>:4(</a:t>
-            </a:r>
-            <a:r>
-              <a:rPr lang="en-US" sz="1600" dirty="0" err="1"/>
-              <a:t>i_am_slow</a:t>
-            </a:r>
-            <a:r>
-              <a:rPr lang="en-US" sz="1600" dirty="0"/>
+              <a:t>100</a:t>
+            </a:r>
+            <a:r>
+              <a:rPr lang="en-US" dirty="0"/>
               <a:t>)</a:t>
             </a:r>
           </a:p>
           <a:p>
-            <a:r>
-              <a:rPr lang="en-US" sz="1600" dirty="0" smtClean="0"/>
-              <a:t>      50     0.000      0.000        0.000     0.000  sample.py</a:t>
-            </a:r>
-            <a:r>
-              <a:rPr lang="en-US" sz="1600" dirty="0"/>
-              <a:t>:9(</a:t>
-            </a:r>
-            <a:r>
-              <a:rPr lang="en-US" sz="1600" dirty="0" err="1"/>
-              <a:t>i_am_fast</a:t>
-            </a:r>
-            <a:r>
-              <a:rPr lang="en-US" sz="1600" dirty="0"/>
-              <a:t>)</a:t>
-            </a:r>
-          </a:p>
-          <a:p>
-            <a:r>
-              <a:rPr lang="en-US" sz="1600" dirty="0" smtClean="0"/>
-              <a:t>        1     0.000      0.000        0.000     0.000  {</a:t>
-            </a:r>
-            <a:r>
-              <a:rPr lang="en-US" sz="1600" dirty="0"/>
-              <a:t>method 'disable' of '_</a:t>
-            </a:r>
-            <a:r>
-              <a:rPr lang="en-US" sz="1600" dirty="0" err="1"/>
-              <a:t>lsprof.Profiler</a:t>
-            </a:r>
-            <a:r>
-              <a:rPr lang="en-US" sz="1600" dirty="0"/>
-              <a:t>' objects}</a:t>
-            </a:r>
-          </a:p>
-          <a:p>
-            <a:r>
-              <a:rPr lang="en-US" sz="1600" dirty="0" smtClean="0"/>
-              <a:t>      50     5.051      0.101        5.051     0.101  {</a:t>
-            </a:r>
-            <a:r>
-              <a:rPr lang="en-US" sz="1600" dirty="0" err="1"/>
-              <a:t>time.sleep</a:t>
-            </a:r>
-            <a:r>
-              <a:rPr lang="en-US" sz="1600" dirty="0"/>
-              <a:t>}</a:t>
-            </a:r>
+            <a:endParaRPr lang="en-US" dirty="0"/>
           </a:p>
         </p:txBody>
       </p:sp>
     </p:spTree>
     <p:extLst>
       <p:ext uri="{BB962C8B-B14F-4D97-AF65-F5344CB8AC3E}">
-        <p14:creationId xmlns:p14="http://schemas.microsoft.com/office/powerpoint/2010/main" val="2591168478"/>
+        <p14:creationId xmlns:p14="http://schemas.microsoft.com/office/powerpoint/2010/main" val="1551170967"/>
       </p:ext>
     </p:extLst>
   </p:cSld>
@@ -5381,8 +5481,8 @@
           <a:lstStyle/>
           <a:p>
             <a:r>
-              <a:rPr lang="en-US" dirty="0" err="1" smtClean="0"/>
-              <a:t>pstats</a:t>
+              <a:rPr lang="en-US" dirty="0" smtClean="0"/>
+              <a:t>Sample Profiling</a:t>
             </a:r>
             <a:endParaRPr lang="en-US" dirty="0"/>
           </a:p>
@@ -5390,64 +5490,257 @@
       </p:sp>
       <p:sp>
         <p:nvSpPr>
-          <p:cNvPr id="3" name="Content Placeholder 2"/>
-          <p:cNvSpPr>
-            <a:spLocks noGrp="1"/>
-          </p:cNvSpPr>
-          <p:nvPr>
-            <p:ph idx="1"/>
-          </p:nvPr>
-        </p:nvSpPr>
-        <p:spPr/>
-        <p:txBody>
-          <a:bodyPr/>
-          <a:lstStyle/>
-          <a:p>
-            <a:r>
-              <a:rPr lang="en-US" dirty="0" smtClean="0"/>
-              <a:t>Library used to make sense of profiling output</a:t>
-            </a:r>
-          </a:p>
-          <a:p>
-            <a:r>
-              <a:rPr lang="en-US" dirty="0" smtClean="0"/>
-              <a:t>Have </a:t>
-            </a:r>
-            <a:r>
-              <a:rPr lang="en-US" dirty="0" err="1" smtClean="0"/>
+          <p:cNvPr id="5" name="TextBox 4"/>
+          <p:cNvSpPr txBox="1"/>
+          <p:nvPr/>
+        </p:nvSpPr>
+        <p:spPr>
+          <a:xfrm>
+            <a:off x="79161" y="2280166"/>
+            <a:ext cx="9064839" cy="3323987"/>
+          </a:xfrm>
+          <a:prstGeom prst="rect">
+            <a:avLst/>
+          </a:prstGeom>
+          <a:noFill/>
+        </p:spPr>
+        <p:txBody>
+          <a:bodyPr wrap="square" rtlCol="0">
+            <a:spAutoFit/>
+          </a:bodyPr>
+          <a:lstStyle/>
+          <a:p>
+            <a:r>
+              <a:rPr lang="en-US" sz="1600" dirty="0"/>
+              <a:t>python -m </a:t>
+            </a:r>
+            <a:r>
+              <a:rPr lang="en-US" sz="1600" dirty="0" err="1"/>
               <a:t>cProfile</a:t>
             </a:r>
             <a:r>
-              <a:rPr lang="en-US" dirty="0" smtClean="0"/>
-              <a:t>/profile output results to file rather than </a:t>
-            </a:r>
-            <a:r>
-              <a:rPr lang="en-US" dirty="0" err="1" smtClean="0"/>
-              <a:t>stdout</a:t>
-            </a:r>
-            <a:endParaRPr lang="en-US" dirty="0" smtClean="0"/>
-          </a:p>
-          <a:p>
-            <a:r>
-              <a:rPr lang="en-US" dirty="0" smtClean="0"/>
-              <a:t>Use </a:t>
-            </a:r>
-            <a:r>
-              <a:rPr lang="en-US" dirty="0" err="1" smtClean="0"/>
-              <a:t>pstats</a:t>
-            </a:r>
-            <a:r>
-              <a:rPr lang="en-US" dirty="0" smtClean="0"/>
-              <a:t> to read in results file and manipulate</a:t>
-            </a:r>
+              <a:rPr lang="en-US" sz="1600" dirty="0"/>
+              <a:t> </a:t>
+            </a:r>
+            <a:r>
+              <a:rPr lang="en-US" sz="1600" dirty="0" err="1" smtClean="0"/>
+              <a:t>sample.py</a:t>
+            </a:r>
+            <a:endParaRPr lang="en-US" sz="1600" dirty="0" smtClean="0"/>
+          </a:p>
+          <a:p>
+            <a:endParaRPr lang="en-US" sz="1600" dirty="0"/>
+          </a:p>
+          <a:p>
+            <a:r>
+              <a:rPr lang="en-US" sz="1600" dirty="0"/>
+              <a:t>         153 function calls in 5.055 seconds</a:t>
+            </a:r>
+          </a:p>
+          <a:p>
+            <a:endParaRPr lang="en-US" sz="1600" dirty="0"/>
+          </a:p>
+          <a:p>
+            <a:r>
+              <a:rPr lang="en-US" sz="1600" dirty="0"/>
+              <a:t>   Ordered by: standard name</a:t>
+            </a:r>
+          </a:p>
+          <a:p>
             <a:endParaRPr lang="en-US" dirty="0"/>
+          </a:p>
+          <a:p>
+            <a:r>
+              <a:rPr lang="en-US" sz="1600" dirty="0" err="1" smtClean="0">
+                <a:solidFill>
+                  <a:srgbClr val="800000"/>
+                </a:solidFill>
+              </a:rPr>
+              <a:t>ncalls</a:t>
+            </a:r>
+            <a:r>
+              <a:rPr lang="en-US" sz="1600" dirty="0" smtClean="0">
+                <a:solidFill>
+                  <a:srgbClr val="800000"/>
+                </a:solidFill>
+              </a:rPr>
+              <a:t>  </a:t>
+            </a:r>
+            <a:r>
+              <a:rPr lang="en-US" sz="1600" dirty="0" err="1">
+                <a:solidFill>
+                  <a:srgbClr val="800000"/>
+                </a:solidFill>
+              </a:rPr>
+              <a:t>tottime</a:t>
+            </a:r>
+            <a:r>
+              <a:rPr lang="en-US" sz="1600" dirty="0">
+                <a:solidFill>
+                  <a:srgbClr val="800000"/>
+                </a:solidFill>
+              </a:rPr>
+              <a:t>  </a:t>
+            </a:r>
+            <a:r>
+              <a:rPr lang="en-US" sz="1600" dirty="0" err="1">
+                <a:solidFill>
+                  <a:srgbClr val="800000"/>
+                </a:solidFill>
+              </a:rPr>
+              <a:t>percall</a:t>
+            </a:r>
+            <a:r>
+              <a:rPr lang="en-US" sz="1600" dirty="0">
+                <a:solidFill>
+                  <a:srgbClr val="800000"/>
+                </a:solidFill>
+              </a:rPr>
+              <a:t>  </a:t>
+            </a:r>
+            <a:r>
+              <a:rPr lang="en-US" sz="1600" dirty="0" err="1">
+                <a:solidFill>
+                  <a:srgbClr val="800000"/>
+                </a:solidFill>
+              </a:rPr>
+              <a:t>cumtime</a:t>
+            </a:r>
+            <a:r>
+              <a:rPr lang="en-US" sz="1600" dirty="0">
+                <a:solidFill>
+                  <a:srgbClr val="800000"/>
+                </a:solidFill>
+              </a:rPr>
+              <a:t>  </a:t>
+            </a:r>
+            <a:r>
+              <a:rPr lang="en-US" sz="1600" dirty="0" err="1">
+                <a:solidFill>
+                  <a:srgbClr val="800000"/>
+                </a:solidFill>
+              </a:rPr>
+              <a:t>percall</a:t>
+            </a:r>
+            <a:r>
+              <a:rPr lang="en-US" sz="1600" dirty="0">
+                <a:solidFill>
+                  <a:srgbClr val="800000"/>
+                </a:solidFill>
+              </a:rPr>
+              <a:t> </a:t>
+            </a:r>
+            <a:r>
+              <a:rPr lang="en-US" sz="1600" dirty="0" err="1">
+                <a:solidFill>
+                  <a:srgbClr val="800000"/>
+                </a:solidFill>
+              </a:rPr>
+              <a:t>filename:lineno</a:t>
+            </a:r>
+            <a:r>
+              <a:rPr lang="en-US" sz="1600" dirty="0">
+                <a:solidFill>
+                  <a:srgbClr val="800000"/>
+                </a:solidFill>
+              </a:rPr>
+              <a:t>(function)</a:t>
+            </a:r>
+          </a:p>
+          <a:p>
+            <a:r>
+              <a:rPr lang="en-US" sz="1600" dirty="0" smtClean="0"/>
+              <a:t>        1     0.002      0.002        5.055     5.055  sample.py</a:t>
+            </a:r>
+            <a:r>
+              <a:rPr lang="en-US" sz="1600" dirty="0"/>
+              <a:t>:1(&lt;module&gt;)</a:t>
+            </a:r>
+          </a:p>
+          <a:p>
+            <a:r>
+              <a:rPr lang="en-US" sz="1600" dirty="0" smtClean="0"/>
+              <a:t>        1     0.001      0.001        5.053     5.053  sample.py</a:t>
+            </a:r>
+            <a:r>
+              <a:rPr lang="en-US" sz="1600" dirty="0"/>
+              <a:t>:13(parent)</a:t>
+            </a:r>
+          </a:p>
+          <a:p>
+            <a:r>
+              <a:rPr lang="en-US" sz="1600" dirty="0" smtClean="0"/>
+              <a:t>      50     0.001      0.000        5.052     0.101  sample.py</a:t>
+            </a:r>
+            <a:r>
+              <a:rPr lang="en-US" sz="1600" dirty="0"/>
+              <a:t>:4(</a:t>
+            </a:r>
+            <a:r>
+              <a:rPr lang="en-US" sz="1600" dirty="0" err="1"/>
+              <a:t>i_am_slow</a:t>
+            </a:r>
+            <a:r>
+              <a:rPr lang="en-US" sz="1600" dirty="0"/>
+              <a:t>)</a:t>
+            </a:r>
+          </a:p>
+          <a:p>
+            <a:r>
+              <a:rPr lang="en-US" sz="1600" dirty="0" smtClean="0"/>
+              <a:t>      50     0.000      0.000        0.000     0.000  sample.py</a:t>
+            </a:r>
+            <a:r>
+              <a:rPr lang="en-US" sz="1600" dirty="0"/>
+              <a:t>:9(</a:t>
+            </a:r>
+            <a:r>
+              <a:rPr lang="en-US" sz="1600" dirty="0" err="1"/>
+              <a:t>i_am_fast</a:t>
+            </a:r>
+            <a:r>
+              <a:rPr lang="en-US" sz="1600" dirty="0"/>
+              <a:t>)</a:t>
+            </a:r>
+          </a:p>
+          <a:p>
+            <a:r>
+              <a:rPr lang="en-US" sz="1600" dirty="0" smtClean="0"/>
+              <a:t>        1     0.000      0.000        0.000     0.000  {</a:t>
+            </a:r>
+            <a:r>
+              <a:rPr lang="en-US" sz="1600" dirty="0"/>
+              <a:t>method 'disable' of '_</a:t>
+            </a:r>
+            <a:r>
+              <a:rPr lang="en-US" sz="1600" dirty="0" err="1"/>
+              <a:t>lsprof.Profiler</a:t>
+            </a:r>
+            <a:r>
+              <a:rPr lang="en-US" sz="1600" dirty="0"/>
+              <a:t>' objects}</a:t>
+            </a:r>
+          </a:p>
+          <a:p>
+            <a:r>
+              <a:rPr lang="en-US" sz="1600" dirty="0" smtClean="0"/>
+              <a:t>      50     5.051      0.101        5.051     0.101  {</a:t>
+            </a:r>
+            <a:r>
+              <a:rPr lang="en-US" sz="1600" dirty="0" err="1"/>
+              <a:t>time.sleep</a:t>
+            </a:r>
+            <a:r>
+              <a:rPr lang="en-US" sz="1600" dirty="0"/>
+              <a:t>}</a:t>
+            </a:r>
           </a:p>
         </p:txBody>
       </p:sp>
     </p:spTree>
     <p:extLst>
       <p:ext uri="{BB962C8B-B14F-4D97-AF65-F5344CB8AC3E}">
-        <p14:creationId xmlns:p14="http://schemas.microsoft.com/office/powerpoint/2010/main" val="456899722"/>
+        <p14:creationId xmlns:p14="http://schemas.microsoft.com/office/powerpoint/2010/main" val="2591168478"/>
       </p:ext>
     </p:extLst>
   </p:cSld>
@@ -5493,118 +5786,61 @@
               <a:rPr lang="en-US" dirty="0" err="1" smtClean="0"/>
               <a:t>pstats</a:t>
             </a:r>
+            <a:endParaRPr lang="en-US" dirty="0"/>
+          </a:p>
+        </p:txBody>
+      </p:sp>
+      <p:sp>
+        <p:nvSpPr>
+          <p:cNvPr id="3" name="Content Placeholder 2"/>
+          <p:cNvSpPr>
+            <a:spLocks noGrp="1"/>
+          </p:cNvSpPr>
+          <p:nvPr>
+            <p:ph idx="1"/>
+          </p:nvPr>
+        </p:nvSpPr>
+        <p:spPr/>
+        <p:txBody>
+          <a:bodyPr/>
+          <a:lstStyle/>
+          <a:p>
             <a:r>
               <a:rPr lang="en-US" dirty="0" smtClean="0"/>
-              <a:t> Sorting Example</a:t>
-            </a:r>
-            <a:endParaRPr lang="en-US" dirty="0"/>
-          </a:p>
-        </p:txBody>
-      </p:sp>
-      <p:sp>
-        <p:nvSpPr>
-          <p:cNvPr id="4" name="TextBox 3"/>
-          <p:cNvSpPr txBox="1"/>
-          <p:nvPr/>
-        </p:nvSpPr>
-        <p:spPr>
-          <a:xfrm>
-            <a:off x="930025" y="2290167"/>
-            <a:ext cx="5801035" cy="1477328"/>
-          </a:xfrm>
-          <a:prstGeom prst="rect">
-            <a:avLst/>
-          </a:prstGeom>
-          <a:noFill/>
-        </p:spPr>
-        <p:txBody>
-          <a:bodyPr wrap="none" rtlCol="0">
-            <a:spAutoFit/>
-          </a:bodyPr>
-          <a:lstStyle/>
-          <a:p>
-            <a:r>
-              <a:rPr lang="en-US" i="1" dirty="0" smtClean="0">
-                <a:solidFill>
-                  <a:schemeClr val="tx2">
-                    <a:lumMod val="50000"/>
-                    <a:lumOff val="50000"/>
-                  </a:schemeClr>
-                </a:solidFill>
-              </a:rPr>
-              <a:t># </a:t>
-            </a:r>
-            <a:r>
-              <a:rPr lang="en-US" i="1" dirty="0" err="1" smtClean="0">
-                <a:solidFill>
-                  <a:schemeClr val="tx2">
-                    <a:lumMod val="50000"/>
-                    <a:lumOff val="50000"/>
-                  </a:schemeClr>
-                </a:solidFill>
-              </a:rPr>
-              <a:t>sort_stats.py</a:t>
-            </a:r>
-            <a:endParaRPr lang="en-US" i="1" dirty="0">
-              <a:solidFill>
-                <a:schemeClr val="tx2">
-                  <a:lumMod val="50000"/>
-                  <a:lumOff val="50000"/>
-                </a:schemeClr>
-              </a:solidFill>
-            </a:endParaRPr>
-          </a:p>
-          <a:p>
-            <a:r>
-              <a:rPr lang="sv-SE" b="1" dirty="0"/>
-              <a:t>import</a:t>
-            </a:r>
-            <a:r>
-              <a:rPr lang="sv-SE" dirty="0"/>
-              <a:t> pstats</a:t>
-            </a:r>
-          </a:p>
-          <a:p>
-            <a:endParaRPr lang="sv-SE" dirty="0"/>
-          </a:p>
-          <a:p>
-            <a:r>
-              <a:rPr lang="sv-SE" dirty="0"/>
-              <a:t>stats = pstats.Stats(</a:t>
-            </a:r>
-            <a:r>
-              <a:rPr lang="sv-SE" dirty="0">
-                <a:solidFill>
-                  <a:srgbClr val="FF6600"/>
-                </a:solidFill>
-              </a:rPr>
-              <a:t>"stats.out"</a:t>
-            </a:r>
-            <a:r>
-              <a:rPr lang="sv-SE" dirty="0"/>
-              <a:t>)</a:t>
-            </a:r>
-          </a:p>
-          <a:p>
-            <a:r>
-              <a:rPr lang="sv-SE" dirty="0"/>
-              <a:t>stats.strip_dirs().sort_stats(</a:t>
-            </a:r>
-            <a:r>
-              <a:rPr lang="sv-SE" dirty="0">
-                <a:solidFill>
-                  <a:srgbClr val="FF6600"/>
-                </a:solidFill>
-              </a:rPr>
-              <a:t>"cumulative"</a:t>
-            </a:r>
-            <a:r>
-              <a:rPr lang="sv-SE" dirty="0"/>
-              <a:t>).print_stats(</a:t>
-            </a:r>
-            <a:r>
-              <a:rPr lang="sv-SE" dirty="0" smtClean="0"/>
-              <a:t>)</a:t>
+              <a:t>Library used to make sense of profiling output</a:t>
+            </a:r>
+          </a:p>
+          <a:p>
+            <a:r>
+              <a:rPr lang="en-US" dirty="0" smtClean="0"/>
+              <a:t>Have </a:t>
+            </a:r>
+            <a:r>
+              <a:rPr lang="en-US" dirty="0" err="1" smtClean="0"/>
+              <a:t>cProfile</a:t>
+            </a:r>
+            <a:r>
+              <a:rPr lang="en-US" dirty="0" smtClean="0"/>
+              <a:t>/profile output results to file rather than </a:t>
+            </a:r>
+            <a:r>
+              <a:rPr lang="en-US" dirty="0" err="1" smtClean="0"/>
+              <a:t>stdout</a:t>
+            </a:r>
+            <a:endParaRPr lang="en-US" dirty="0" smtClean="0"/>
+          </a:p>
+          <a:p>
+            <a:r>
+              <a:rPr lang="en-US" dirty="0" smtClean="0"/>
+              <a:t>Use </a:t>
+            </a:r>
+            <a:r>
+              <a:rPr lang="en-US" dirty="0" err="1" smtClean="0"/>
+              <a:t>pstats</a:t>
+            </a:r>
+            <a:r>
+              <a:rPr lang="en-US" dirty="0" smtClean="0"/>
+              <a:t> to read in results file and manipulate</a:t>
             </a:r>
             <a:endParaRPr lang="en-US" dirty="0"/>
           </a:p>
@@ -5613,7 +5849,7 @@
     </p:spTree>
     <p:extLst>
       <p:ext uri="{BB962C8B-B14F-4D97-AF65-F5344CB8AC3E}">
-        <p14:creationId xmlns:p14="http://schemas.microsoft.com/office/powerpoint/2010/main" val="621552667"/>
+        <p14:creationId xmlns:p14="http://schemas.microsoft.com/office/powerpoint/2010/main" val="456899722"/>
       </p:ext>
     </p:extLst>
   </p:cSld>
@@ -5642,14 +5878,41 @@
       </p:grpSpPr>
       <p:sp>
         <p:nvSpPr>
-          <p:cNvPr id="2" name="TextBox 1"/>
+          <p:cNvPr id="2" name="Title 1"/>
+          <p:cNvSpPr>
+            <a:spLocks noGrp="1"/>
+          </p:cNvSpPr>
+          <p:nvPr>
+            <p:ph type="title"/>
+          </p:nvPr>
+        </p:nvSpPr>
+        <p:spPr/>
+        <p:txBody>
+          <a:bodyPr/>
+          <a:lstStyle/>
+          <a:p>
+            <a:r>
+              <a:rPr lang="en-US" dirty="0" err="1" smtClean="0"/>
+              <a:t>pstats</a:t>
+            </a:r>
+            <a:r>
+              <a:rPr lang="en-US" dirty="0" smtClean="0"/>
+              <a:t> Sorting Example</a:t>
+            </a:r>
+            <a:endParaRPr lang="en-US" dirty="0"/>
+          </a:p>
+        </p:txBody>
+      </p:sp>
+      <p:sp>
+        <p:nvSpPr>
+          <p:cNvPr id="4" name="TextBox 3"/>
           <p:cNvSpPr txBox="1"/>
           <p:nvPr/>
         </p:nvSpPr>
         <p:spPr>
           <a:xfrm>
-            <a:off x="0" y="832114"/>
-            <a:ext cx="9144000" cy="4278094"/>
+            <a:off x="930025" y="2290167"/>
+            <a:ext cx="5801035" cy="1477328"/>
           </a:xfrm>
           <a:prstGeom prst="rect">
             <a:avLst/>
@@ -5657,306 +5920,102 @@
           <a:noFill/>
         </p:spPr>
         <p:txBody>
-          <a:bodyPr wrap="square" rtlCol="0">
+          <a:bodyPr wrap="none" rtlCol="0">
             <a:spAutoFit/>
           </a:bodyPr>
           <a:lstStyle/>
           <a:p>
             <a:r>
-              <a:rPr lang="en-US" sz="1600" dirty="0" smtClean="0"/>
-              <a:t>python –m </a:t>
-            </a:r>
-            <a:r>
-              <a:rPr lang="en-US" sz="1600" dirty="0" err="1" smtClean="0"/>
-              <a:t>cProfile</a:t>
-            </a:r>
-            <a:r>
-              <a:rPr lang="en-US" sz="1600" dirty="0" smtClean="0"/>
-              <a:t> –o </a:t>
-            </a:r>
-            <a:r>
-              <a:rPr lang="en-US" sz="1600" dirty="0" err="1" smtClean="0"/>
-              <a:t>stats.out</a:t>
-            </a:r>
-            <a:r>
-              <a:rPr lang="en-US" sz="1600" dirty="0" smtClean="0"/>
-              <a:t> </a:t>
-            </a:r>
-            <a:r>
-              <a:rPr lang="en-US" sz="1600" dirty="0" err="1" smtClean="0"/>
-              <a:t>sample.py</a:t>
-            </a:r>
-            <a:endParaRPr lang="en-US" sz="1600" dirty="0" smtClean="0"/>
-          </a:p>
-          <a:p>
-            <a:r>
-              <a:rPr lang="en-US" sz="1600" dirty="0" smtClean="0"/>
-              <a:t>python </a:t>
-            </a:r>
-            <a:r>
-              <a:rPr lang="en-US" sz="1600" dirty="0" err="1" smtClean="0"/>
+              <a:rPr lang="en-US" i="1" dirty="0" smtClean="0">
+                <a:solidFill>
+                  <a:schemeClr val="tx2">
+                    <a:lumMod val="50000"/>
+                    <a:lumOff val="50000"/>
+                  </a:schemeClr>
+                </a:solidFill>
+              </a:rPr>
+              <a:t># </a:t>
+            </a:r>
+            <a:r>
+              <a:rPr lang="en-US" i="1" dirty="0" err="1" smtClean="0">
+                <a:solidFill>
+                  <a:schemeClr val="tx2">
+                    <a:lumMod val="50000"/>
+                    <a:lumOff val="50000"/>
+                  </a:schemeClr>
+                </a:solidFill>
+              </a:rPr>
               <a:t>sort_stats.py</a:t>
             </a:r>
-            <a:endParaRPr lang="en-US" sz="1600" dirty="0" smtClean="0"/>
-          </a:p>
-          <a:p>
-            <a:endParaRPr lang="en-US" sz="1600" dirty="0" smtClean="0"/>
-          </a:p>
-          <a:p>
-            <a:r>
-              <a:rPr lang="en-US" sz="1600" dirty="0"/>
-              <a:t>Thu Oct  3 16:47:08 2013    </a:t>
-            </a:r>
-            <a:r>
-              <a:rPr lang="en-US" sz="1600" dirty="0" err="1"/>
-              <a:t>stats.out</a:t>
-            </a:r>
-            <a:endParaRPr lang="en-US" sz="1600" dirty="0"/>
-          </a:p>
-          <a:p>
-            <a:endParaRPr lang="en-US" sz="1600" dirty="0"/>
-          </a:p>
-          <a:p>
-            <a:r>
-              <a:rPr lang="en-US" sz="1600" dirty="0"/>
-              <a:t>         153 function calls in 5.051 seconds</a:t>
-            </a:r>
-          </a:p>
-          <a:p>
-            <a:endParaRPr lang="en-US" sz="1600" dirty="0"/>
-          </a:p>
-          <a:p>
-            <a:r>
-              <a:rPr lang="en-US" sz="1600" dirty="0"/>
-              <a:t>   Ordered by: cumulative time</a:t>
-            </a:r>
-          </a:p>
-          <a:p>
-            <a:endParaRPr lang="en-US" sz="1600" dirty="0"/>
-          </a:p>
-          <a:p>
-            <a:r>
-              <a:rPr lang="en-US" sz="1600" dirty="0"/>
-              <a:t>   </a:t>
-            </a:r>
-            <a:r>
-              <a:rPr lang="en-US" sz="1600" dirty="0" err="1">
-                <a:solidFill>
-                  <a:srgbClr val="800000"/>
+            <a:endParaRPr lang="en-US" i="1" dirty="0">
+              <a:solidFill>
+                <a:schemeClr val="tx2">
+                  <a:lumMod val="50000"/>
+                  <a:lumOff val="50000"/>
+                </a:schemeClr>
+              </a:solidFill>
+            </a:endParaRPr>
+          </a:p>
+          <a:p>
+            <a:r>
+              <a:rPr lang="sv-SE" b="1" dirty="0"/>
+              <a:t>import</a:t>
+            </a:r>
+            <a:r>
+              <a:rPr lang="sv-SE" dirty="0"/>
+              <a:t> pstats</a:t>
+            </a:r>
+          </a:p>
+          <a:p>
+            <a:endParaRPr lang="sv-SE" dirty="0"/>
+          </a:p>
+          <a:p>
+            <a:r>
+              <a:rPr lang="sv-SE" dirty="0"/>
+              <a:t>stats = pstats.Stats(</a:t>
+            </a:r>
+            <a:r>
+              <a:rPr lang="sv-SE" dirty="0">
+                <a:solidFill>
+                  <a:srgbClr val="FF6600"/>
                 </a:solidFill>
               </a:rPr>
-              <a:t>ncalls</a:t>
-            </a:r>
-            <a:r>
-              <a:rPr lang="en-US" sz="1600" dirty="0">
-                <a:solidFill>
-                  <a:srgbClr val="800000"/>
+              <a:t>"stats.out"</a:t>
+            </a:r>
+            <a:r>
+              <a:rPr lang="sv-SE" dirty="0"/>
+              <a:t>)</a:t>
+            </a:r>
+          </a:p>
+          <a:p>
+            <a:r>
+              <a:rPr lang="sv-SE" dirty="0"/>
+              <a:t>stats.strip_dirs().sort_stats(</a:t>
+            </a:r>
+            <a:r>
+              <a:rPr lang="sv-SE" dirty="0">
+                <a:solidFill>
+                  <a:srgbClr val="FF6600"/>
                 </a:solidFill>
               </a:rPr>
-              <a:t>  </a:t>
-            </a:r>
-            <a:r>
-              <a:rPr lang="en-US" sz="1600" dirty="0" err="1">
-                <a:solidFill>
-                  <a:srgbClr val="800000"/>
-                </a:solidFill>
-              </a:rPr>
-              <a:t>tottime</a:t>
-            </a:r>
-            <a:r>
-              <a:rPr lang="en-US" sz="1600" dirty="0">
-                <a:solidFill>
-                  <a:srgbClr val="800000"/>
-                </a:solidFill>
-              </a:rPr>
-              <a:t>  </a:t>
-            </a:r>
-            <a:r>
-              <a:rPr lang="en-US" sz="1600" dirty="0" err="1">
-                <a:solidFill>
-                  <a:srgbClr val="800000"/>
-                </a:solidFill>
-              </a:rPr>
-              <a:t>percall</a:t>
-            </a:r>
-            <a:r>
-              <a:rPr lang="en-US" sz="1600" dirty="0">
-                <a:solidFill>
-                  <a:srgbClr val="800000"/>
-                </a:solidFill>
-              </a:rPr>
-              <a:t>  </a:t>
-            </a:r>
-            <a:r>
-              <a:rPr lang="en-US" sz="1600" dirty="0" err="1">
-                <a:solidFill>
-                  <a:srgbClr val="800000"/>
-                </a:solidFill>
-              </a:rPr>
-              <a:t>cumtime</a:t>
-            </a:r>
-            <a:r>
-              <a:rPr lang="en-US" sz="1600" dirty="0">
-                <a:solidFill>
-                  <a:srgbClr val="800000"/>
-                </a:solidFill>
-              </a:rPr>
-              <a:t>  </a:t>
-            </a:r>
-            <a:r>
-              <a:rPr lang="en-US" sz="1600" dirty="0" err="1">
-                <a:solidFill>
-                  <a:srgbClr val="800000"/>
-                </a:solidFill>
-              </a:rPr>
-              <a:t>percall</a:t>
-            </a:r>
-            <a:r>
-              <a:rPr lang="en-US" sz="1600" dirty="0">
-                <a:solidFill>
-                  <a:srgbClr val="800000"/>
-                </a:solidFill>
-              </a:rPr>
-              <a:t> </a:t>
-            </a:r>
-            <a:r>
-              <a:rPr lang="en-US" sz="1600" dirty="0" err="1">
-                <a:solidFill>
-                  <a:srgbClr val="800000"/>
-                </a:solidFill>
-              </a:rPr>
-              <a:t>filename:lineno</a:t>
-            </a:r>
-            <a:r>
-              <a:rPr lang="en-US" sz="1600" dirty="0">
-                <a:solidFill>
-                  <a:srgbClr val="800000"/>
-                </a:solidFill>
-              </a:rPr>
-              <a:t>(function)</a:t>
-            </a:r>
-          </a:p>
-          <a:p>
-            <a:r>
-              <a:rPr lang="en-US" sz="1600" dirty="0"/>
-              <a:t>        </a:t>
-            </a:r>
-            <a:r>
-              <a:rPr lang="en-US" sz="1600" dirty="0" smtClean="0"/>
-              <a:t>   1     0.001      0.001        5.051      5.051   sample.py</a:t>
-            </a:r>
-            <a:r>
-              <a:rPr lang="en-US" sz="1600" dirty="0"/>
-              <a:t>:1(&lt;module&gt;)</a:t>
-            </a:r>
-          </a:p>
-          <a:p>
-            <a:r>
-              <a:rPr lang="en-US" sz="1600" dirty="0"/>
-              <a:t>        </a:t>
-            </a:r>
-            <a:r>
-              <a:rPr lang="en-US" sz="1600" dirty="0" smtClean="0"/>
-              <a:t>   1     0.001      0.001        5.050      5.050   sample.py</a:t>
-            </a:r>
-            <a:r>
-              <a:rPr lang="en-US" sz="1600" dirty="0"/>
-              <a:t>:13(parent)</a:t>
-            </a:r>
-          </a:p>
-          <a:p>
-            <a:r>
-              <a:rPr lang="en-US" sz="1600" dirty="0"/>
-              <a:t>       </a:t>
-            </a:r>
-            <a:r>
-              <a:rPr lang="en-US" sz="1600" dirty="0" smtClean="0"/>
-              <a:t>  50     0.001      0.000        5.049      0.101   sample.py</a:t>
-            </a:r>
-            <a:r>
-              <a:rPr lang="en-US" sz="1600" dirty="0"/>
-              <a:t>:4(</a:t>
-            </a:r>
-            <a:r>
-              <a:rPr lang="en-US" sz="1600" dirty="0" err="1"/>
-              <a:t>i_am_slow</a:t>
-            </a:r>
-            <a:r>
-              <a:rPr lang="en-US" sz="1600" dirty="0"/>
+              <a:t>"cumulative"</a:t>
+            </a:r>
+            <a:r>
+              <a:rPr lang="sv-SE" dirty="0"/>
+              <a:t>).print_stats(</a:t>
+            </a:r>
+            <a:r>
+              <a:rPr lang="sv-SE" dirty="0" smtClean="0"/>
               <a:t>)</a:t>
             </a:r>
-          </a:p>
-          <a:p>
-            <a:r>
-              <a:rPr lang="en-US" sz="1600" dirty="0"/>
-              <a:t>       </a:t>
-            </a:r>
-            <a:r>
-              <a:rPr lang="en-US" sz="1600" dirty="0" smtClean="0"/>
-              <a:t>  50     5.048      0.101        5.048      0.101   {</a:t>
-            </a:r>
-            <a:r>
-              <a:rPr lang="en-US" sz="1600" dirty="0" err="1" smtClean="0"/>
-              <a:t>time.sleep</a:t>
-            </a:r>
-            <a:r>
-              <a:rPr lang="en-US" sz="1600" dirty="0"/>
-              <a:t>}</a:t>
-            </a:r>
-          </a:p>
-          <a:p>
-            <a:r>
-              <a:rPr lang="en-US" sz="1600" dirty="0"/>
-              <a:t>       </a:t>
-            </a:r>
-            <a:r>
-              <a:rPr lang="en-US" sz="1600" dirty="0" smtClean="0"/>
-              <a:t>  50     0.000      0.000        0.000      0.000   sample.py</a:t>
-            </a:r>
-            <a:r>
-              <a:rPr lang="en-US" sz="1600" dirty="0"/>
-              <a:t>:9(</a:t>
-            </a:r>
-            <a:r>
-              <a:rPr lang="en-US" sz="1600" dirty="0" err="1"/>
-              <a:t>i_am_fast</a:t>
-            </a:r>
-            <a:r>
-              <a:rPr lang="en-US" sz="1600" dirty="0"/>
-              <a:t>)</a:t>
-            </a:r>
-          </a:p>
-          <a:p>
-            <a:r>
-              <a:rPr lang="en-US" sz="1600" dirty="0"/>
-              <a:t>        </a:t>
-            </a:r>
-            <a:r>
-              <a:rPr lang="en-US" sz="1600" dirty="0" smtClean="0"/>
-              <a:t>   1     0.000      0.000        0.000      0.000   {</a:t>
-            </a:r>
-            <a:r>
-              <a:rPr lang="en-US" sz="1600" dirty="0"/>
-              <a:t>method 'disable' of '_</a:t>
-            </a:r>
-            <a:r>
-              <a:rPr lang="en-US" sz="1600" dirty="0" err="1"/>
-              <a:t>lsprof.Profiler</a:t>
-            </a:r>
-            <a:r>
-              <a:rPr lang="en-US" sz="1600" dirty="0"/>
-              <a:t>' objects}</a:t>
-            </a:r>
-          </a:p>
-          <a:p>
-            <a:endParaRPr lang="en-US" sz="1600" dirty="0"/>
+            <a:endParaRPr lang="en-US" dirty="0"/>
           </a:p>
         </p:txBody>
       </p:sp>
     </p:spTree>
     <p:extLst>
       <p:ext uri="{BB962C8B-B14F-4D97-AF65-F5344CB8AC3E}">
-        <p14:creationId xmlns:p14="http://schemas.microsoft.com/office/powerpoint/2010/main" val="3320591001"/>
+        <p14:creationId xmlns:p14="http://schemas.microsoft.com/office/powerpoint/2010/main" val="621552667"/>
       </p:ext>
     </p:extLst>
   </p:cSld>
@@ -5985,59 +6044,321 @@
       </p:grpSpPr>
       <p:sp>
         <p:nvSpPr>
-          <p:cNvPr id="2" name="Title 1"/>
-          <p:cNvSpPr>
-            <a:spLocks noGrp="1"/>
-          </p:cNvSpPr>
-          <p:nvPr>
-            <p:ph type="title"/>
-          </p:nvPr>
-        </p:nvSpPr>
-        <p:spPr/>
-        <p:txBody>
-          <a:bodyPr/>
-          <a:lstStyle/>
-          <a:p>
-            <a:r>
-              <a:rPr lang="en-US" dirty="0" smtClean="0"/>
-              <a:t>Debugging</a:t>
-            </a:r>
-            <a:endParaRPr lang="en-US" dirty="0"/>
-          </a:p>
-        </p:txBody>
-      </p:sp>
-      <p:sp>
-        <p:nvSpPr>
-          <p:cNvPr id="3" name="Content Placeholder 2"/>
-          <p:cNvSpPr>
-            <a:spLocks noGrp="1"/>
-          </p:cNvSpPr>
-          <p:nvPr>
-            <p:ph idx="1"/>
-          </p:nvPr>
-        </p:nvSpPr>
-        <p:spPr/>
-        <p:txBody>
-          <a:bodyPr/>
-          <a:lstStyle/>
-          <a:p>
-            <a:r>
-              <a:rPr lang="en-US" dirty="0" smtClean="0"/>
-              <a:t>Following executions paths of your scripts</a:t>
-            </a:r>
-          </a:p>
-          <a:p>
-            <a:r>
-              <a:rPr lang="en-US" dirty="0" smtClean="0"/>
-              <a:t>Helps to find bugs in execution of your scripts</a:t>
-            </a:r>
+          <p:cNvPr id="2" name="TextBox 1"/>
+          <p:cNvSpPr txBox="1"/>
+          <p:nvPr/>
+        </p:nvSpPr>
+        <p:spPr>
+          <a:xfrm>
+            <a:off x="0" y="832114"/>
+            <a:ext cx="9144000" cy="4278094"/>
+          </a:xfrm>
+          <a:prstGeom prst="rect">
+            <a:avLst/>
+          </a:prstGeom>
+          <a:noFill/>
+        </p:spPr>
+        <p:txBody>
+          <a:bodyPr wrap="square" rtlCol="0">
+            <a:spAutoFit/>
+          </a:bodyPr>
+          <a:lstStyle/>
+          <a:p>
+            <a:r>
+              <a:rPr lang="en-US" sz="1600" dirty="0" smtClean="0"/>
+              <a:t>python –m </a:t>
+            </a:r>
+            <a:r>
+              <a:rPr lang="en-US" sz="1600" dirty="0" err="1" smtClean="0"/>
+              <a:t>cProfile</a:t>
+            </a:r>
+            <a:r>
+              <a:rPr lang="en-US" sz="1600" dirty="0" smtClean="0"/>
+              <a:t> –o </a:t>
+            </a:r>
+            <a:r>
+              <a:rPr lang="en-US" sz="1600" dirty="0" err="1" smtClean="0"/>
+              <a:t>stats.out</a:t>
+            </a:r>
+            <a:r>
+              <a:rPr lang="en-US" sz="1600" dirty="0" smtClean="0"/>
+              <a:t> </a:t>
+            </a:r>
+            <a:r>
+              <a:rPr lang="en-US" sz="1600" dirty="0" err="1" smtClean="0"/>
+              <a:t>sample.py</a:t>
+            </a:r>
+            <a:endParaRPr lang="en-US" sz="1600" dirty="0" smtClean="0"/>
+          </a:p>
+          <a:p>
+            <a:r>
+              <a:rPr lang="en-US" sz="1600" dirty="0" smtClean="0"/>
+              <a:t>python </a:t>
+            </a:r>
+            <a:r>
+              <a:rPr lang="en-US" sz="1600" dirty="0" err="1" smtClean="0"/>
+              <a:t>sort_stats.py</a:t>
+            </a:r>
+            <a:endParaRPr lang="en-US" sz="1600" dirty="0" smtClean="0"/>
+          </a:p>
+          <a:p>
+            <a:endParaRPr lang="en-US" sz="1600" dirty="0" smtClean="0"/>
+          </a:p>
+          <a:p>
+            <a:r>
+              <a:rPr lang="en-US" sz="1600" dirty="0"/>
+              <a:t>Thu Oct  3 16:47:08 2013    </a:t>
+            </a:r>
+            <a:r>
+              <a:rPr lang="en-US" sz="1600" dirty="0" err="1"/>
+              <a:t>stats.out</a:t>
+            </a:r>
+            <a:endParaRPr lang="en-US" sz="1600" dirty="0"/>
+          </a:p>
+          <a:p>
+            <a:endParaRPr lang="en-US" sz="1600" dirty="0"/>
+          </a:p>
+          <a:p>
+            <a:r>
+              <a:rPr lang="en-US" sz="1600" dirty="0"/>
+              <a:t>         153 function calls in 5.051 seconds</a:t>
+            </a:r>
+          </a:p>
+          <a:p>
+            <a:endParaRPr lang="en-US" sz="1600" dirty="0"/>
+          </a:p>
+          <a:p>
+            <a:r>
+              <a:rPr lang="en-US" sz="1600" dirty="0"/>
+              <a:t>   Ordered by: cumulative time</a:t>
+            </a:r>
+          </a:p>
+          <a:p>
+            <a:endParaRPr lang="en-US" sz="1600" dirty="0"/>
+          </a:p>
+          <a:p>
+            <a:r>
+              <a:rPr lang="en-US" sz="1600" dirty="0"/>
+              <a:t>   </a:t>
+            </a:r>
+            <a:r>
+              <a:rPr lang="en-US" sz="1600" dirty="0" err="1">
+                <a:solidFill>
+                  <a:srgbClr val="800000"/>
+                </a:solidFill>
+              </a:rPr>
+              <a:t>ncalls</a:t>
+            </a:r>
+            <a:r>
+              <a:rPr lang="en-US" sz="1600" dirty="0">
+                <a:solidFill>
+                  <a:srgbClr val="800000"/>
+                </a:solidFill>
+              </a:rPr>
+              <a:t>  </a:t>
+            </a:r>
+            <a:r>
+              <a:rPr lang="en-US" sz="1600" dirty="0" err="1">
+                <a:solidFill>
+                  <a:srgbClr val="800000"/>
+                </a:solidFill>
+              </a:rPr>
+              <a:t>tottime</a:t>
+            </a:r>
+            <a:r>
+              <a:rPr lang="en-US" sz="1600" dirty="0">
+                <a:solidFill>
+                  <a:srgbClr val="800000"/>
+                </a:solidFill>
+              </a:rPr>
+              <a:t>  </a:t>
+            </a:r>
+            <a:r>
+              <a:rPr lang="en-US" sz="1600" dirty="0" err="1">
+                <a:solidFill>
+                  <a:srgbClr val="800000"/>
+                </a:solidFill>
+              </a:rPr>
+              <a:t>percall</a:t>
+            </a:r>
+            <a:r>
+              <a:rPr lang="en-US" sz="1600" dirty="0">
+                <a:solidFill>
+                  <a:srgbClr val="800000"/>
+                </a:solidFill>
+              </a:rPr>
+              <a:t>  </a:t>
+            </a:r>
+            <a:r>
+              <a:rPr lang="en-US" sz="1600" dirty="0" err="1">
+                <a:solidFill>
+                  <a:srgbClr val="800000"/>
+                </a:solidFill>
+              </a:rPr>
+              <a:t>cumtime</a:t>
+            </a:r>
+            <a:r>
+              <a:rPr lang="en-US" sz="1600" dirty="0">
+                <a:solidFill>
+                  <a:srgbClr val="800000"/>
+                </a:solidFill>
+              </a:rPr>
+              <a:t>  </a:t>
+            </a:r>
+            <a:r>
+              <a:rPr lang="en-US" sz="1600" dirty="0" err="1">
+                <a:solidFill>
+                  <a:srgbClr val="800000"/>
+                </a:solidFill>
+              </a:rPr>
+              <a:t>percall</a:t>
+            </a:r>
+            <a:r>
+              <a:rPr lang="en-US" sz="1600" dirty="0">
+                <a:solidFill>
+                  <a:srgbClr val="800000"/>
+                </a:solidFill>
+              </a:rPr>
+              <a:t> </a:t>
+            </a:r>
+            <a:r>
+              <a:rPr lang="en-US" sz="1600" dirty="0" err="1">
+                <a:solidFill>
+                  <a:srgbClr val="800000"/>
+                </a:solidFill>
+              </a:rPr>
+              <a:t>filename:lineno</a:t>
+            </a:r>
+            <a:r>
+              <a:rPr lang="en-US" sz="1600" dirty="0">
+                <a:solidFill>
+                  <a:srgbClr val="800000"/>
+                </a:solidFill>
+              </a:rPr>
+              <a:t>(function)</a:t>
+            </a:r>
+          </a:p>
+          <a:p>
+            <a:r>
+              <a:rPr lang="en-US" sz="1600" dirty="0"/>
+              <a:t>        </a:t>
+            </a:r>
+            <a:r>
+              <a:rPr lang="en-US" sz="1600" dirty="0" smtClean="0"/>
+              <a:t>   1     0.001      0.001        5.051      5.051   sample.py</a:t>
+            </a:r>
+            <a:r>
+              <a:rPr lang="en-US" sz="1600" dirty="0"/>
+              <a:t>:1(&lt;module&gt;)</a:t>
+            </a:r>
+          </a:p>
+          <a:p>
+            <a:r>
+              <a:rPr lang="en-US" sz="1600" dirty="0"/>
+              <a:t>        </a:t>
+            </a:r>
+            <a:r>
+              <a:rPr lang="en-US" sz="1600" dirty="0" smtClean="0"/>
+              <a:t>   1     0.001      0.001        5.050      5.050   sample.py</a:t>
+            </a:r>
+            <a:r>
+              <a:rPr lang="en-US" sz="1600" dirty="0"/>
+              <a:t>:13(parent)</a:t>
+            </a:r>
+          </a:p>
+          <a:p>
+            <a:r>
+              <a:rPr lang="en-US" sz="1600" dirty="0"/>
+              <a:t>       </a:t>
+            </a:r>
+            <a:r>
+              <a:rPr lang="en-US" sz="1600" dirty="0" smtClean="0"/>
+              <a:t>  50     0.001      0.000        5.049      0.101   sample.py</a:t>
+            </a:r>
+            <a:r>
+              <a:rPr lang="en-US" sz="1600" dirty="0"/>
+              <a:t>:4(</a:t>
+            </a:r>
+            <a:r>
+              <a:rPr lang="en-US" sz="1600" dirty="0" err="1"/>
+              <a:t>i_am_slow</a:t>
+            </a:r>
+            <a:r>
+              <a:rPr lang="en-US" sz="1600" dirty="0"/>
+              <a:t>)</a:t>
+            </a:r>
+          </a:p>
+          <a:p>
+            <a:r>
+              <a:rPr lang="en-US" sz="1600" dirty="0"/>
+              <a:t>       </a:t>
+            </a:r>
+            <a:r>
+              <a:rPr lang="en-US" sz="1600" dirty="0" smtClean="0"/>
+              <a:t>  50     5.048      0.101        5.048      0.101   {</a:t>
+            </a:r>
+            <a:r>
+              <a:rPr lang="en-US" sz="1600" dirty="0" err="1" smtClean="0"/>
+              <a:t>time.sleep</a:t>
+            </a:r>
+            <a:r>
+              <a:rPr lang="en-US" sz="1600" dirty="0"/>
+              <a:t>}</a:t>
+            </a:r>
+          </a:p>
+          <a:p>
+            <a:r>
+              <a:rPr lang="en-US" sz="1600" dirty="0"/>
+              <a:t>       </a:t>
+            </a:r>
+            <a:r>
+              <a:rPr lang="en-US" sz="1600" dirty="0" smtClean="0"/>
+              <a:t>  50     0.000      0.000        0.000      0.000   sample.py</a:t>
+            </a:r>
+            <a:r>
+              <a:rPr lang="en-US" sz="1600" dirty="0"/>
+              <a:t>:9(</a:t>
+            </a:r>
+            <a:r>
+              <a:rPr lang="en-US" sz="1600" dirty="0" err="1"/>
+              <a:t>i_am_fast</a:t>
+            </a:r>
+            <a:r>
+              <a:rPr lang="en-US" sz="1600" dirty="0"/>
+              <a:t>)</a:t>
+            </a:r>
+          </a:p>
+          <a:p>
+            <a:r>
+              <a:rPr lang="en-US" sz="1600" dirty="0"/>
+              <a:t>        </a:t>
+            </a:r>
+            <a:r>
+              <a:rPr lang="en-US" sz="1600" dirty="0" smtClean="0"/>
+              <a:t>   1     0.000      0.000        0.000      0.000   {</a:t>
+            </a:r>
+            <a:r>
+              <a:rPr lang="en-US" sz="1600" dirty="0"/>
+              <a:t>method 'disable' of '_</a:t>
+            </a:r>
+            <a:r>
+              <a:rPr lang="en-US" sz="1600" dirty="0" err="1"/>
+              <a:t>lsprof.Profiler</a:t>
+            </a:r>
+            <a:r>
+              <a:rPr lang="en-US" sz="1600" dirty="0"/>
+              <a:t>' objects}</a:t>
+            </a:r>
+          </a:p>
+          <a:p>
+            <a:endParaRPr lang="en-US" sz="1600" dirty="0"/>
           </a:p>
         </p:txBody>
       </p:sp>
     </p:spTree>
     <p:extLst>
       <p:ext uri="{BB962C8B-B14F-4D97-AF65-F5344CB8AC3E}">
-        <p14:creationId xmlns:p14="http://schemas.microsoft.com/office/powerpoint/2010/main" val="2213329654"/>
+        <p14:creationId xmlns:p14="http://schemas.microsoft.com/office/powerpoint/2010/main" val="3320591001"/>
       </p:ext>
     </p:extLst>
   </p:cSld>
@@ -6081,16 +6402,44 @@
           <a:p>
             <a:r>
               <a:rPr lang="en-US" dirty="0" smtClean="0"/>
-              <a:t>Live Demo</a:t>
+              <a:t>Debugging</a:t>
             </a:r>
             <a:endParaRPr lang="en-US" dirty="0"/>
+          </a:p>
+        </p:txBody>
+      </p:sp>
+      <p:sp>
+        <p:nvSpPr>
+          <p:cNvPr id="3" name="Content Placeholder 2"/>
+          <p:cNvSpPr>
+            <a:spLocks noGrp="1"/>
+          </p:cNvSpPr>
+          <p:nvPr>
+            <p:ph idx="1"/>
+          </p:nvPr>
+        </p:nvSpPr>
+        <p:spPr/>
+        <p:txBody>
+          <a:bodyPr/>
+          <a:lstStyle/>
+          <a:p>
+            <a:r>
+              <a:rPr lang="en-US" dirty="0" smtClean="0"/>
+              <a:t>Following executions paths of your scripts</a:t>
+            </a:r>
+          </a:p>
+          <a:p>
+            <a:r>
+              <a:rPr lang="en-US" dirty="0" smtClean="0"/>
+              <a:t>Helps to find bugs in execution of your scripts</a:t>
+            </a:r>
           </a:p>
         </p:txBody>
       </p:sp>
     </p:spTree>
     <p:extLst>
       <p:ext uri="{BB962C8B-B14F-4D97-AF65-F5344CB8AC3E}">
-        <p14:creationId xmlns:p14="http://schemas.microsoft.com/office/powerpoint/2010/main" val="2172428809"/>
+        <p14:creationId xmlns:p14="http://schemas.microsoft.com/office/powerpoint/2010/main" val="2213329654"/>
       </p:ext>
     </p:extLst>
   </p:cSld>
@@ -6133,65 +6482,8 @@
           <a:lstStyle/>
           <a:p>
             <a:r>
-              <a:rPr lang="en-US" dirty="0" err="1" smtClean="0"/>
-              <a:t>Pdb</a:t>
-            </a:r>
-            <a:endParaRPr lang="en-US" dirty="0"/>
-          </a:p>
-        </p:txBody>
-      </p:sp>
-      <p:sp>
-        <p:nvSpPr>
-          <p:cNvPr id="3" name="Content Placeholder 2"/>
-          <p:cNvSpPr>
-            <a:spLocks noGrp="1"/>
-          </p:cNvSpPr>
-          <p:nvPr>
-            <p:ph idx="1"/>
-          </p:nvPr>
-        </p:nvSpPr>
-        <p:spPr/>
-        <p:txBody>
-          <a:bodyPr/>
-          <a:lstStyle/>
-          <a:p>
-            <a:r>
               <a:rPr lang="en-US" dirty="0" smtClean="0"/>
-              <a:t>The Python Debugger</a:t>
-            </a:r>
-          </a:p>
-          <a:p>
-            <a:r>
-              <a:rPr lang="en-US" dirty="0" smtClean="0"/>
-              <a:t>Debugger built into Python standard library</a:t>
-            </a:r>
-          </a:p>
-          <a:p>
-            <a:r>
-              <a:rPr lang="en-US" dirty="0" smtClean="0"/>
-              <a:t>Has the same/similar commands and usage as GDB</a:t>
-            </a:r>
-          </a:p>
-          <a:p>
-            <a:r>
-              <a:rPr lang="en-US" dirty="0" err="1" smtClean="0"/>
-              <a:t>Pdb</a:t>
-            </a:r>
-            <a:r>
-              <a:rPr lang="en-US" dirty="0" smtClean="0"/>
-              <a:t> </a:t>
-            </a:r>
-            <a:r>
-              <a:rPr lang="en-US" dirty="0" err="1" smtClean="0"/>
-              <a:t>repl</a:t>
-            </a:r>
-            <a:r>
-              <a:rPr lang="en-US" dirty="0" smtClean="0"/>
-              <a:t> is also just a Python </a:t>
-            </a:r>
-            <a:r>
-              <a:rPr lang="en-US" dirty="0" err="1" smtClean="0"/>
-              <a:t>repl</a:t>
+              <a:t>Live Demo</a:t>
             </a:r>
             <a:endParaRPr lang="en-US" dirty="0"/>
           </a:p>
@@ -6200,7 +6492,7 @@
     </p:spTree>
     <p:extLst>
       <p:ext uri="{BB962C8B-B14F-4D97-AF65-F5344CB8AC3E}">
-        <p14:creationId xmlns:p14="http://schemas.microsoft.com/office/powerpoint/2010/main" val="3619318126"/>
+        <p14:creationId xmlns:p14="http://schemas.microsoft.com/office/powerpoint/2010/main" val="2172428809"/>
       </p:ext>
     </p:extLst>
   </p:cSld>
@@ -6243,55 +6535,49 @@
           <a:lstStyle/>
           <a:p>
             <a:r>
+              <a:rPr lang="en-US" dirty="0" err="1" smtClean="0"/>
+              <a:t>Pdb</a:t>
+            </a:r>
+            <a:endParaRPr lang="en-US" dirty="0"/>
+          </a:p>
+        </p:txBody>
+      </p:sp>
+      <p:sp>
+        <p:nvSpPr>
+          <p:cNvPr id="3" name="Content Placeholder 2"/>
+          <p:cNvSpPr>
+            <a:spLocks noGrp="1"/>
+          </p:cNvSpPr>
+          <p:nvPr>
+            <p:ph idx="1"/>
+          </p:nvPr>
+        </p:nvSpPr>
+        <p:spPr/>
+        <p:txBody>
+          <a:bodyPr/>
+          <a:lstStyle/>
+          <a:p>
+            <a:r>
               <a:rPr lang="en-US" dirty="0" smtClean="0"/>
-              <a:t>Running the debugger</a:t>
-            </a:r>
-            <a:endParaRPr lang="en-US" dirty="0"/>
-          </a:p>
-        </p:txBody>
-      </p:sp>
-      <p:sp>
-        <p:nvSpPr>
-          <p:cNvPr id="4" name="TextBox 3"/>
-          <p:cNvSpPr txBox="1"/>
-          <p:nvPr/>
-        </p:nvSpPr>
-        <p:spPr>
-          <a:xfrm>
-            <a:off x="770021" y="2340171"/>
-            <a:ext cx="4894086" cy="646331"/>
-          </a:xfrm>
-          <a:prstGeom prst="rect">
-            <a:avLst/>
-          </a:prstGeom>
-          <a:noFill/>
-        </p:spPr>
-        <p:txBody>
-          <a:bodyPr wrap="square" rtlCol="0">
-            <a:spAutoFit/>
-          </a:bodyPr>
-          <a:lstStyle/>
-          <a:p>
-            <a:r>
-              <a:rPr lang="en-US" i="1" dirty="0" smtClean="0">
-                <a:solidFill>
-                  <a:schemeClr val="tx2">
-                    <a:lumMod val="50000"/>
-                    <a:lumOff val="50000"/>
-                  </a:schemeClr>
-                </a:solidFill>
-              </a:rPr>
-              <a:t># from cli</a:t>
+              <a:t>The Python Debugger</a:t>
             </a:r>
           </a:p>
           <a:p>
             <a:r>
               <a:rPr lang="en-US" dirty="0" smtClean="0"/>
-              <a:t>python –m </a:t>
-            </a:r>
+              <a:t>Debugger built into Python standard library</a:t>
+            </a:r>
+          </a:p>
+          <a:p>
+            <a:r>
+              <a:rPr lang="en-US" dirty="0" smtClean="0"/>
+              <a:t>Has the same/similar commands and usage as GDB</a:t>
+            </a:r>
+          </a:p>
+          <a:p>
             <a:r>
               <a:rPr lang="en-US" dirty="0" err="1" smtClean="0"/>
-              <a:t>pdb</a:t>
+              <a:t>Pdb</a:t>
             </a:r>
             <a:r>
               <a:rPr lang="en-US" dirty="0" smtClean="0"/>
@@ -6299,204 +6585,24 @@
             </a:r>
             <a:r>
               <a:rPr lang="en-US" dirty="0" err="1" smtClean="0"/>
-              <a:t>simple_code.py</a:t>
+              <a:t>repl</a:t>
             </a:r>
             <a:r>
               <a:rPr lang="en-US" dirty="0" smtClean="0"/>
-              <a:t> </a:t>
+              <a:t> is also just a Python </a:t>
+            </a:r>
+            <a:r>
+              <a:rPr lang="en-US" dirty="0" err="1" smtClean="0"/>
+              <a:t>repl</a:t>
             </a:r>
             <a:endParaRPr lang="en-US" dirty="0"/>
-          </a:p>
-        </p:txBody>
-      </p:sp>
-      <p:sp>
-        <p:nvSpPr>
-          <p:cNvPr id="5" name="TextBox 4"/>
-          <p:cNvSpPr txBox="1"/>
-          <p:nvPr/>
-        </p:nvSpPr>
-        <p:spPr>
-          <a:xfrm>
-            <a:off x="770021" y="3130220"/>
-            <a:ext cx="4894086" cy="1477328"/>
-          </a:xfrm>
-          <a:prstGeom prst="rect">
-            <a:avLst/>
-          </a:prstGeom>
-          <a:noFill/>
-        </p:spPr>
-        <p:txBody>
-          <a:bodyPr wrap="square" rtlCol="0">
-            <a:spAutoFit/>
-          </a:bodyPr>
-          <a:lstStyle/>
-          <a:p>
-            <a:r>
-              <a:rPr lang="en-US" i="1" dirty="0" smtClean="0">
-                <a:solidFill>
-                  <a:schemeClr val="tx2">
-                    <a:lumMod val="50000"/>
-                    <a:lumOff val="50000"/>
-                  </a:schemeClr>
-                </a:solidFill>
-              </a:rPr>
-              <a:t># manually set breakpoint in code</a:t>
-            </a:r>
-          </a:p>
-          <a:p>
-            <a:r>
-              <a:rPr lang="en-US" b="1" dirty="0"/>
-              <a:t>p</a:t>
-            </a:r>
-            <a:r>
-              <a:rPr lang="en-US" b="1" dirty="0" smtClean="0"/>
-              <a:t>rint</a:t>
-            </a:r>
-            <a:r>
-              <a:rPr lang="en-US" dirty="0" smtClean="0"/>
-              <a:t> </a:t>
-            </a:r>
-            <a:r>
-              <a:rPr lang="en-US" dirty="0" smtClean="0">
-                <a:solidFill>
-                  <a:srgbClr val="FF6600"/>
-                </a:solidFill>
-              </a:rPr>
-              <a:t>“before breakpoint”</a:t>
-            </a:r>
-          </a:p>
-          <a:p>
-            <a:r>
-              <a:rPr lang="en-US" b="1" dirty="0"/>
-              <a:t>i</a:t>
-            </a:r>
-            <a:r>
-              <a:rPr lang="en-US" b="1" dirty="0" smtClean="0"/>
-              <a:t>mport</a:t>
-            </a:r>
-            <a:r>
-              <a:rPr lang="en-US" dirty="0" smtClean="0"/>
-              <a:t> </a:t>
-            </a:r>
-            <a:r>
-              <a:rPr lang="en-US" dirty="0" err="1" smtClean="0"/>
-              <a:t>pdb</a:t>
-            </a:r>
-            <a:endParaRPr lang="en-US" dirty="0"/>
-          </a:p>
-          <a:p>
-            <a:r>
-              <a:rPr lang="en-US" dirty="0" err="1" smtClean="0"/>
-              <a:t>pdb.set_trace</a:t>
-            </a:r>
-            <a:r>
-              <a:rPr lang="en-US" dirty="0" smtClean="0"/>
-              <a:t>()</a:t>
-            </a:r>
-          </a:p>
-          <a:p>
-            <a:r>
-              <a:rPr lang="en-US" b="1" dirty="0" smtClean="0"/>
-              <a:t>print</a:t>
-            </a:r>
-            <a:r>
-              <a:rPr lang="en-US" dirty="0" smtClean="0"/>
-              <a:t> </a:t>
-            </a:r>
-            <a:r>
-              <a:rPr lang="en-US" dirty="0" smtClean="0">
-                <a:solidFill>
-                  <a:srgbClr val="FF6600"/>
-                </a:solidFill>
-              </a:rPr>
-              <a:t>“after breakpoint”</a:t>
-            </a:r>
-            <a:endParaRPr lang="en-US" dirty="0">
-              <a:solidFill>
-                <a:srgbClr val="FF6600"/>
-              </a:solidFill>
-            </a:endParaRPr>
-          </a:p>
-        </p:txBody>
-      </p:sp>
-      <p:sp>
-        <p:nvSpPr>
-          <p:cNvPr id="6" name="TextBox 5"/>
-          <p:cNvSpPr txBox="1"/>
-          <p:nvPr/>
-        </p:nvSpPr>
-        <p:spPr>
-          <a:xfrm>
-            <a:off x="770020" y="4809755"/>
-            <a:ext cx="4894087" cy="1477328"/>
-          </a:xfrm>
-          <a:prstGeom prst="rect">
-            <a:avLst/>
-          </a:prstGeom>
-          <a:noFill/>
-        </p:spPr>
-        <p:txBody>
-          <a:bodyPr wrap="square" rtlCol="0">
-            <a:spAutoFit/>
-          </a:bodyPr>
-          <a:lstStyle/>
-          <a:p>
-            <a:r>
-              <a:rPr lang="en-US" dirty="0"/>
-              <a:t>python </a:t>
-            </a:r>
-            <a:r>
-              <a:rPr lang="en-US" dirty="0" err="1"/>
-              <a:t>test.py</a:t>
-            </a:r>
-            <a:endParaRPr lang="en-US" dirty="0"/>
-          </a:p>
-          <a:p>
-            <a:r>
-              <a:rPr lang="en-US" dirty="0"/>
-              <a:t>before breakpoint</a:t>
-            </a:r>
-          </a:p>
-          <a:p>
-            <a:r>
-              <a:rPr lang="en-US" dirty="0"/>
-              <a:t>&gt; </a:t>
-            </a:r>
-            <a:r>
-              <a:rPr lang="en-US" dirty="0" err="1" smtClean="0"/>
-              <a:t>simple_example.py</a:t>
-            </a:r>
-            <a:r>
-              <a:rPr lang="en-US" dirty="0"/>
-              <a:t>(4)&lt;module&gt;()</a:t>
-            </a:r>
-          </a:p>
-          <a:p>
-            <a:r>
-              <a:rPr lang="en-US" dirty="0"/>
-              <a:t>-&gt; print "after breakpoint"</a:t>
-            </a:r>
-          </a:p>
-          <a:p>
-            <a:r>
-              <a:rPr lang="en-US" dirty="0"/>
-              <a:t>(</a:t>
-            </a:r>
-            <a:r>
-              <a:rPr lang="en-US" dirty="0" err="1"/>
-              <a:t>Pdb</a:t>
-            </a:r>
-            <a:r>
-              <a:rPr lang="en-US" dirty="0"/>
-              <a:t>)</a:t>
-            </a:r>
           </a:p>
         </p:txBody>
       </p:sp>
     </p:spTree>
     <p:extLst>
       <p:ext uri="{BB962C8B-B14F-4D97-AF65-F5344CB8AC3E}">
-        <p14:creationId xmlns:p14="http://schemas.microsoft.com/office/powerpoint/2010/main" val="2347742193"/>
+        <p14:creationId xmlns:p14="http://schemas.microsoft.com/office/powerpoint/2010/main" val="3619318126"/>
       </p:ext>
     </p:extLst>
   </p:cSld>
@@ -6539,12 +6645,8 @@
           <a:lstStyle/>
           <a:p>
             <a:r>
-              <a:rPr lang="en-US" dirty="0" err="1" smtClean="0"/>
-              <a:t>Pdb</a:t>
-            </a:r>
-            <a:r>
               <a:rPr lang="en-US" dirty="0" smtClean="0"/>
-              <a:t> Commands</a:t>
+              <a:t>Running the debugger</a:t>
             </a:r>
             <a:endParaRPr lang="en-US" dirty="0"/>
           </a:p>
@@ -6552,34 +6654,42 @@
       </p:sp>
       <p:sp>
         <p:nvSpPr>
-          <p:cNvPr id="3" name="Content Placeholder 2"/>
-          <p:cNvSpPr>
-            <a:spLocks noGrp="1"/>
-          </p:cNvSpPr>
-          <p:nvPr>
-            <p:ph idx="1"/>
-          </p:nvPr>
-        </p:nvSpPr>
-        <p:spPr/>
-        <p:txBody>
-          <a:bodyPr/>
-          <a:lstStyle/>
-          <a:p>
-            <a:r>
-              <a:rPr lang="en-US" dirty="0"/>
-              <a:t>l</a:t>
-            </a:r>
+          <p:cNvPr id="4" name="TextBox 3"/>
+          <p:cNvSpPr txBox="1"/>
+          <p:nvPr/>
+        </p:nvSpPr>
+        <p:spPr>
+          <a:xfrm>
+            <a:off x="770021" y="2340171"/>
+            <a:ext cx="4894086" cy="646331"/>
+          </a:xfrm>
+          <a:prstGeom prst="rect">
+            <a:avLst/>
+          </a:prstGeom>
+          <a:noFill/>
+        </p:spPr>
+        <p:txBody>
+          <a:bodyPr wrap="square" rtlCol="0">
+            <a:spAutoFit/>
+          </a:bodyPr>
+          <a:lstStyle/>
+          <a:p>
+            <a:r>
+              <a:rPr lang="en-US" i="1" dirty="0" smtClean="0">
+                <a:solidFill>
+                  <a:schemeClr val="tx2">
+                    <a:lumMod val="50000"/>
+                    <a:lumOff val="50000"/>
+                  </a:schemeClr>
+                </a:solidFill>
+              </a:rPr>
+              <a:t># from cli</a:t>
+            </a:r>
+          </a:p>
+          <a:p>
             <a:r>
               <a:rPr lang="en-US" dirty="0" smtClean="0"/>
-              <a:t>(</a:t>
-            </a:r>
-            <a:r>
-              <a:rPr lang="en-US" dirty="0" err="1" smtClean="0"/>
-              <a:t>ist</a:t>
-            </a:r>
-            <a:r>
-              <a:rPr lang="en-US" dirty="0" smtClean="0"/>
-              <a:t>) – show source code for where </a:t>
+              <a:t>python –m </a:t>
             </a:r>
             <a:r>
               <a:rPr lang="en-US" dirty="0" err="1" smtClean="0"/>
@@ -6587,102 +6697,208 @@
             </a:r>
             <a:r>
               <a:rPr lang="en-US" dirty="0" smtClean="0"/>
-              <a:t> currently is</a:t>
-            </a:r>
-          </a:p>
+              <a:t> </a:t>
+            </a:r>
+            <a:r>
+              <a:rPr lang="en-US" dirty="0" err="1" smtClean="0"/>
+              <a:t>simple_code.py</a:t>
+            </a:r>
+            <a:r>
+              <a:rPr lang="en-US" dirty="0" smtClean="0"/>
+              <a:t> </a:t>
+            </a:r>
+            <a:endParaRPr lang="en-US" dirty="0"/>
+          </a:p>
+        </p:txBody>
+      </p:sp>
+      <p:sp>
+        <p:nvSpPr>
+          <p:cNvPr id="5" name="TextBox 4"/>
+          <p:cNvSpPr txBox="1"/>
+          <p:nvPr/>
+        </p:nvSpPr>
+        <p:spPr>
+          <a:xfrm>
+            <a:off x="770021" y="3130220"/>
+            <a:ext cx="4894086" cy="1477328"/>
+          </a:xfrm>
+          <a:prstGeom prst="rect">
+            <a:avLst/>
+          </a:prstGeom>
+          <a:noFill/>
+        </p:spPr>
+        <p:txBody>
+          <a:bodyPr wrap="square" rtlCol="0">
+            <a:spAutoFit/>
+          </a:bodyPr>
+          <a:lstStyle/>
+          <a:p>
+            <a:r>
+              <a:rPr lang="en-US" i="1" dirty="0" smtClean="0">
+                <a:solidFill>
+                  <a:schemeClr val="tx2">
+                    <a:lumMod val="50000"/>
+                    <a:lumOff val="50000"/>
+                  </a:schemeClr>
+                </a:solidFill>
+              </a:rPr>
+              <a:t># manually set breakpoint in code</a:t>
+            </a:r>
+          </a:p>
+          <a:p>
+            <a:r>
+              <a:rPr lang="en-US" b="1" dirty="0"/>
+              <a:t>p</a:t>
+            </a:r>
+            <a:r>
+              <a:rPr lang="en-US" b="1" dirty="0" smtClean="0"/>
+              <a:t>rint</a:t>
+            </a:r>
+            <a:r>
+              <a:rPr lang="en-US" dirty="0" smtClean="0"/>
+              <a:t> </a:t>
+            </a:r>
+            <a:r>
+              <a:rPr lang="en-US" dirty="0" smtClean="0">
+                <a:solidFill>
+                  <a:srgbClr val="FF6600"/>
+                </a:solidFill>
+              </a:rPr>
+              <a:t>“before breakpoint”</a:t>
+            </a:r>
+          </a:p>
+          <a:p>
+            <a:r>
+              <a:rPr lang="en-US" b="1" dirty="0"/>
+              <a:t>i</a:t>
+            </a:r>
+            <a:r>
+              <a:rPr lang="en-US" b="1" dirty="0" smtClean="0"/>
+              <a:t>mport</a:t>
+            </a:r>
+            <a:r>
+              <a:rPr lang="en-US" dirty="0" smtClean="0"/>
+              <a:t> </a:t>
+            </a:r>
+            <a:r>
+              <a:rPr lang="en-US" dirty="0" err="1" smtClean="0"/>
+              <a:t>pdb</a:t>
+            </a:r>
+            <a:endParaRPr lang="en-US" dirty="0"/>
+          </a:p>
+          <a:p>
+            <a:r>
+              <a:rPr lang="en-US" dirty="0" err="1" smtClean="0"/>
+              <a:t>pdb.set_trace</a:t>
+            </a:r>
+            <a:r>
+              <a:rPr lang="en-US" dirty="0" smtClean="0"/>
+              <a:t>()</a:t>
+            </a:r>
+          </a:p>
+          <a:p>
+            <a:r>
+              <a:rPr lang="en-US" b="1" dirty="0" smtClean="0"/>
+              <a:t>print</a:t>
+            </a:r>
+            <a:r>
+              <a:rPr lang="en-US" dirty="0" smtClean="0"/>
+              <a:t> </a:t>
+            </a:r>
+            <a:r>
+              <a:rPr lang="en-US" dirty="0" smtClean="0">
+                <a:solidFill>
+                  <a:srgbClr val="FF6600"/>
+                </a:solidFill>
+              </a:rPr>
+              <a:t>“after breakpoint”</a:t>
+            </a:r>
+            <a:endParaRPr lang="en-US" dirty="0">
+              <a:solidFill>
+                <a:srgbClr val="FF6600"/>
+              </a:solidFill>
+            </a:endParaRPr>
+          </a:p>
+        </p:txBody>
+      </p:sp>
+      <p:sp>
+        <p:nvSpPr>
+          <p:cNvPr id="6" name="TextBox 5"/>
+          <p:cNvSpPr txBox="1"/>
+          <p:nvPr/>
+        </p:nvSpPr>
+        <p:spPr>
+          <a:xfrm>
+            <a:off x="770020" y="4809755"/>
+            <a:ext cx="4894087" cy="1477328"/>
+          </a:xfrm>
+          <a:prstGeom prst="rect">
+            <a:avLst/>
+          </a:prstGeom>
+          <a:noFill/>
+        </p:spPr>
+        <p:txBody>
+          <a:bodyPr wrap="square" rtlCol="0">
+            <a:spAutoFit/>
+          </a:bodyPr>
+          <a:lstStyle/>
           <a:p>
             <a:r>
               <a:rPr lang="en-US" dirty="0"/>
-              <a:t>s</a:t>
-            </a:r>
-            <a:r>
-              <a:rPr lang="en-US" dirty="0" smtClean="0"/>
+              <a:t>python </a:t>
+            </a:r>
+            <a:r>
+              <a:rPr lang="en-US" dirty="0" err="1"/>
+              <a:t>test.py</a:t>
+            </a:r>
+            <a:endParaRPr lang="en-US" dirty="0"/>
+          </a:p>
+          <a:p>
+            <a:r>
+              <a:rPr lang="en-US" dirty="0"/>
+              <a:t>before breakpoint</a:t>
+            </a:r>
+          </a:p>
+          <a:p>
+            <a:r>
+              <a:rPr lang="en-US" dirty="0"/>
+              <a:t>&gt; </a:t>
+            </a:r>
+            <a:r>
+              <a:rPr lang="en-US" dirty="0" err="1" smtClean="0"/>
+              <a:t>simple_example.py</a:t>
+            </a:r>
+            <a:r>
+              <a:rPr lang="en-US" dirty="0"/>
+              <a:t>(4)&lt;module&gt;()</a:t>
+            </a:r>
+          </a:p>
+          <a:p>
+            <a:r>
+              <a:rPr lang="en-US" dirty="0"/>
+              <a:t>-&gt; print "after breakpoint"</a:t>
+            </a:r>
+          </a:p>
+          <a:p>
+            <a:r>
+              <a:rPr lang="en-US" dirty="0"/>
               <a:t>(</a:t>
             </a:r>
             <a:r>
-              <a:rPr lang="en-US" dirty="0" err="1" smtClean="0"/>
-              <a:t>tep</a:t>
-            </a:r>
-            <a:r>
-              <a:rPr lang="en-US" dirty="0" smtClean="0"/>
-              <a:t>) – step into the current function call</a:t>
-            </a:r>
-          </a:p>
-          <a:p>
+              <a:rPr lang="en-US" dirty="0" err="1"/>
+              <a:t>Pdb</a:t>
+            </a:r>
             <a:r>
               <a:rPr lang="en-US" dirty="0"/>
-              <a:t>n</a:t>
-            </a:r>
-            <a:r>
-              <a:rPr lang="en-US" dirty="0" smtClean="0"/>
-              <a:t>(</a:t>
-            </a:r>
-            <a:r>
-              <a:rPr lang="en-US" dirty="0" err="1" smtClean="0"/>
-              <a:t>ext</a:t>
-            </a:r>
-            <a:r>
-              <a:rPr lang="en-US" dirty="0" smtClean="0"/>
-              <a:t>) – move to the next line of execution</a:t>
-            </a:r>
-          </a:p>
-          <a:p>
-            <a:r>
-              <a:rPr lang="en-US" dirty="0" smtClean="0"/>
-              <a:t>b(</a:t>
-            </a:r>
-            <a:r>
-              <a:rPr lang="en-US" dirty="0" err="1" smtClean="0"/>
-              <a:t>reak</a:t>
-            </a:r>
-            <a:r>
-              <a:rPr lang="en-US" dirty="0" smtClean="0"/>
-              <a:t>) &lt;</a:t>
-            </a:r>
-            <a:r>
-              <a:rPr lang="en-US" dirty="0" err="1" smtClean="0"/>
-              <a:t>args</a:t>
-            </a:r>
-            <a:r>
-              <a:rPr lang="en-US" dirty="0" smtClean="0"/>
-              <a:t>&gt; - set a breakpoint in the code</a:t>
-            </a:r>
-          </a:p>
-          <a:p>
-            <a:r>
-              <a:rPr lang="en-US" dirty="0" smtClean="0"/>
-              <a:t>c(</a:t>
-            </a:r>
-            <a:r>
-              <a:rPr lang="en-US" dirty="0" err="1" smtClean="0"/>
-              <a:t>ontinue</a:t>
-            </a:r>
-            <a:r>
-              <a:rPr lang="en-US" dirty="0" smtClean="0"/>
-              <a:t>) – continue to next breakpoint or end of script</a:t>
-            </a:r>
-          </a:p>
-          <a:p>
-            <a:r>
-              <a:rPr lang="en-US" dirty="0" smtClean="0"/>
-              <a:t>h(</a:t>
-            </a:r>
-            <a:r>
-              <a:rPr lang="en-US" dirty="0" err="1" smtClean="0"/>
-              <a:t>elp</a:t>
-            </a:r>
-            <a:r>
-              <a:rPr lang="en-US" dirty="0" smtClean="0"/>
-              <a:t>) – show help information</a:t>
-            </a:r>
-            <a:endParaRPr lang="en-US" dirty="0"/>
+              <a:t>)</a:t>
+            </a:r>
           </a:p>
         </p:txBody>
       </p:sp>
     </p:spTree>
     <p:extLst>
       <p:ext uri="{BB962C8B-B14F-4D97-AF65-F5344CB8AC3E}">
-        <p14:creationId xmlns:p14="http://schemas.microsoft.com/office/powerpoint/2010/main" val="4216019737"/>
+        <p14:creationId xmlns:p14="http://schemas.microsoft.com/office/powerpoint/2010/main" val="2347742193"/>
       </p:ext>
     </p:extLst>
   </p:cSld>
@@ -6725,8 +6941,141 @@
           <a:lstStyle/>
           <a:p>
             <a:r>
+              <a:rPr lang="en-US" dirty="0" err="1" smtClean="0"/>
+              <a:t>Pdb</a:t>
+            </a:r>
+            <a:r>
               <a:rPr lang="en-US" dirty="0" smtClean="0"/>
-              <a:t>Live Demo</a:t>
+              <a:t> Commands</a:t>
+            </a:r>
+            <a:endParaRPr lang="en-US" dirty="0"/>
+          </a:p>
+        </p:txBody>
+      </p:sp>
+      <p:sp>
+        <p:nvSpPr>
+          <p:cNvPr id="3" name="Content Placeholder 2"/>
+          <p:cNvSpPr>
+            <a:spLocks noGrp="1"/>
+          </p:cNvSpPr>
+          <p:nvPr>
+            <p:ph idx="1"/>
+          </p:nvPr>
+        </p:nvSpPr>
+        <p:spPr/>
+        <p:txBody>
+          <a:bodyPr/>
+          <a:lstStyle/>
+          <a:p>
+            <a:r>
+              <a:rPr lang="en-US" dirty="0"/>
+              <a:t>l</a:t>
+            </a:r>
+            <a:r>
+              <a:rPr lang="en-US" dirty="0" smtClean="0"/>
+              <a:t>(</a:t>
+            </a:r>
+            <a:r>
+              <a:rPr lang="en-US" dirty="0" err="1" smtClean="0"/>
+              <a:t>ist</a:t>
+            </a:r>
+            <a:r>
+              <a:rPr lang="en-US" dirty="0" smtClean="0"/>
+              <a:t>) – show source code for where </a:t>
+            </a:r>
+            <a:r>
+              <a:rPr lang="en-US" dirty="0" err="1" smtClean="0"/>
+              <a:t>pdb</a:t>
+            </a:r>
+            <a:r>
+              <a:rPr lang="en-US" dirty="0" smtClean="0"/>
+              <a:t> currently is</a:t>
+            </a:r>
+          </a:p>
+          <a:p>
+            <a:r>
+              <a:rPr lang="en-US" dirty="0"/>
+              <a:t>s</a:t>
+            </a:r>
+            <a:r>
+              <a:rPr lang="en-US" dirty="0" smtClean="0"/>
+              <a:t>(</a:t>
+            </a:r>
+            <a:r>
+              <a:rPr lang="en-US" dirty="0" err="1" smtClean="0"/>
+              <a:t>tep</a:t>
+            </a:r>
+            <a:r>
+              <a:rPr lang="en-US" dirty="0" smtClean="0"/>
+              <a:t>) – step into the current function call</a:t>
+            </a:r>
+          </a:p>
+          <a:p>
+            <a:r>
+              <a:rPr lang="en-US" dirty="0"/>
+              <a:t>n</a:t>
+            </a:r>
+            <a:r>
+              <a:rPr lang="en-US" dirty="0" smtClean="0"/>
+              <a:t>(</a:t>
+            </a:r>
+            <a:r>
+              <a:rPr lang="en-US" dirty="0" err="1" smtClean="0"/>
+              <a:t>ext</a:t>
+            </a:r>
+            <a:r>
+              <a:rPr lang="en-US" dirty="0" smtClean="0"/>
+              <a:t>) – move to the next line of execution</a:t>
+            </a:r>
+          </a:p>
+          <a:p>
+            <a:r>
+              <a:rPr lang="en-US" dirty="0" smtClean="0"/>
+              <a:t>b(</a:t>
+            </a:r>
+            <a:r>
+              <a:rPr lang="en-US" dirty="0" err="1" smtClean="0"/>
+              <a:t>reak</a:t>
+            </a:r>
+            <a:r>
+              <a:rPr lang="en-US" dirty="0" smtClean="0"/>
+              <a:t>) &lt;</a:t>
+            </a:r>
+            <a:r>
+              <a:rPr lang="en-US" dirty="0" err="1" smtClean="0"/>
+              <a:t>args</a:t>
+            </a:r>
+            <a:r>
+              <a:rPr lang="en-US" dirty="0" smtClean="0"/>
+              <a:t>&gt; - set a breakpoint in the code</a:t>
+            </a:r>
+          </a:p>
+          <a:p>
+            <a:r>
+              <a:rPr lang="en-US" dirty="0" smtClean="0"/>
+              <a:t>c(</a:t>
+            </a:r>
+            <a:r>
+              <a:rPr lang="en-US" dirty="0" err="1" smtClean="0"/>
+              <a:t>ontinue</a:t>
+            </a:r>
+            <a:r>
+              <a:rPr lang="en-US" dirty="0" smtClean="0"/>
+              <a:t>) – continue to next breakpoint or end of script</a:t>
+            </a:r>
+          </a:p>
+          <a:p>
+            <a:r>
+              <a:rPr lang="en-US" dirty="0" smtClean="0"/>
+              <a:t>h(</a:t>
+            </a:r>
+            <a:r>
+              <a:rPr lang="en-US" dirty="0" err="1" smtClean="0"/>
+              <a:t>elp</a:t>
+            </a:r>
+            <a:r>
+              <a:rPr lang="en-US" dirty="0" smtClean="0"/>
+              <a:t>) – show help information</a:t>
             </a:r>
             <a:endParaRPr lang="en-US" dirty="0"/>
           </a:p>
@@ -6735,7 +7084,7 @@
     </p:spTree>
     <p:extLst>
       <p:ext uri="{BB962C8B-B14F-4D97-AF65-F5344CB8AC3E}">
-        <p14:creationId xmlns:p14="http://schemas.microsoft.com/office/powerpoint/2010/main" val="2709619392"/>
+        <p14:creationId xmlns:p14="http://schemas.microsoft.com/office/powerpoint/2010/main" val="4216019737"/>
       </p:ext>
     </p:extLst>
   </p:cSld>
@@ -6859,6 +7208,13 @@
   <p:clrMapOvr>
     <a:masterClrMapping/>
   </p:clrMapOvr>
+  <p:timing>
+    <p:tnLst>
+      <p:par>
+        <p:cTn xmlns:p14="http://schemas.microsoft.com/office/powerpoint/2010/main" id="1" dur="indefinite" restart="never" nodeType="tmRoot"/>
+      </p:par>
+    </p:tnLst>
+  </p:timing>
 </p:sld>
 </file>
 
@@ -6896,6 +7252,59 @@
           <a:p>
             <a:r>
               <a:rPr lang="en-US" dirty="0" smtClean="0"/>
+              <a:t>Live Demo</a:t>
+            </a:r>
+            <a:endParaRPr lang="en-US" dirty="0"/>
+          </a:p>
+        </p:txBody>
+      </p:sp>
+    </p:spTree>
+    <p:extLst>
+      <p:ext uri="{BB962C8B-B14F-4D97-AF65-F5344CB8AC3E}">
+        <p14:creationId xmlns:p14="http://schemas.microsoft.com/office/powerpoint/2010/main" val="2709619392"/>
+      </p:ext>
+    </p:extLst>
+  </p:cSld>
+  <p:clrMapOvr>
+    <a:masterClrMapping/>
+  </p:clrMapOvr>
+</p:sld>
+</file>
+
+<file path=ppt/slides/slide21.xml><?xml version="1.0" encoding="utf-8"?>
+<p:sld xmlns:a="http://schemas.openxmlformats.org/drawingml/2006/main" xmlns:r="http://schemas.openxmlformats.org/officeDocument/2006/relationships" xmlns:p="http://schemas.openxmlformats.org/presentationml/2006/main">
+  <p:cSld>
+    <p:spTree>
+      <p:nvGrpSpPr>
+        <p:cNvPr id="1" name=""/>
+        <p:cNvGrpSpPr/>
+        <p:nvPr/>
+      </p:nvGrpSpPr>
+      <p:grpSpPr>
+        <a:xfrm>
+          <a:off x="0" y="0"/>
+          <a:ext cx="0" cy="0"/>
+          <a:chOff x="0" y="0"/>
+          <a:chExt cx="0" cy="0"/>
+        </a:xfrm>
+      </p:grpSpPr>
+      <p:sp>
+        <p:nvSpPr>
+          <p:cNvPr id="2" name="Title 1"/>
+          <p:cNvSpPr>
+            <a:spLocks noGrp="1"/>
+          </p:cNvSpPr>
+          <p:nvPr>
+            <p:ph type="title"/>
+          </p:nvPr>
+        </p:nvSpPr>
+        <p:spPr/>
+        <p:txBody>
+          <a:bodyPr/>
+          <a:lstStyle/>
+          <a:p>
+            <a:r>
+              <a:rPr lang="en-US" dirty="0" smtClean="0"/>
               <a:t>Questions?</a:t>
             </a:r>
             <a:endParaRPr lang="en-US" dirty="0"/>
@@ -6915,7 +7324,7 @@
 </p:sld>
 </file>
 
-<file path=ppt/slides/slide21.xml><?xml version="1.0" encoding="utf-8"?>
+<file path=ppt/slides/slide22.xml><?xml version="1.0" encoding="utf-8"?>
 <p:sld xmlns:a="http://schemas.openxmlformats.org/drawingml/2006/main" xmlns:r="http://schemas.openxmlformats.org/officeDocument/2006/relationships" xmlns:p="http://schemas.openxmlformats.org/presentationml/2006/main">
   <p:cSld>
     <p:spTree>
@@ -7043,6 +7452,13 @@
   <p:clrMapOvr>
     <a:masterClrMapping/>
   </p:clrMapOvr>
+  <p:timing>
+    <p:tnLst>
+      <p:par>
+        <p:cTn xmlns:p14="http://schemas.microsoft.com/office/powerpoint/2010/main" id="1" dur="indefinite" restart="never" nodeType="tmRoot"/>
+      </p:par>
+    </p:tnLst>
+  </p:timing>
 </p:sld>
 </file>
 
@@ -7136,6 +7552,13 @@
   <p:clrMapOvr>
     <a:masterClrMapping/>
   </p:clrMapOvr>
+  <p:timing>
+    <p:tnLst>
+      <p:par>
+        <p:cTn xmlns:p14="http://schemas.microsoft.com/office/powerpoint/2010/main" id="1" dur="indefinite" restart="never" nodeType="tmRoot"/>
+      </p:par>
+    </p:tnLst>
+  </p:timing>
 </p:sld>
 </file>
 
@@ -7461,6 +7884,13 @@
   <p:clrMapOvr>
     <a:masterClrMapping/>
   </p:clrMapOvr>
+  <p:timing>
+    <p:tnLst>
+      <p:par>
+        <p:cTn xmlns:p14="http://schemas.microsoft.com/office/powerpoint/2010/main" id="1" dur="indefinite" restart="never" nodeType="tmRoot"/>
+      </p:par>
+    </p:tnLst>
+  </p:timing>
 </p:sld>
 </file>
 
@@ -7498,7 +7928,165 @@
           <a:p>
             <a:r>
               <a:rPr lang="en-US" dirty="0" smtClean="0"/>
-              <a:t>Live Demo</a:t>
+              <a:t>How to Disassemble</a:t>
+            </a:r>
+            <a:endParaRPr lang="en-US" dirty="0"/>
+          </a:p>
+        </p:txBody>
+      </p:sp>
+      <p:sp>
+        <p:nvSpPr>
+          <p:cNvPr id="4" name="TextBox 3"/>
+          <p:cNvSpPr txBox="1"/>
+          <p:nvPr/>
+        </p:nvSpPr>
+        <p:spPr>
+          <a:xfrm>
+            <a:off x="880024" y="2495529"/>
+            <a:ext cx="2967479" cy="646331"/>
+          </a:xfrm>
+          <a:prstGeom prst="rect">
+            <a:avLst/>
+          </a:prstGeom>
+          <a:noFill/>
+        </p:spPr>
+        <p:txBody>
+          <a:bodyPr wrap="none" rtlCol="0">
+            <a:spAutoFit/>
+          </a:bodyPr>
+          <a:lstStyle/>
+          <a:p>
+            <a:r>
+              <a:rPr lang="en-US" i="1" dirty="0" smtClean="0">
+                <a:solidFill>
+                  <a:schemeClr val="tx2">
+                    <a:lumMod val="50000"/>
+                    <a:lumOff val="50000"/>
+                  </a:schemeClr>
+                </a:solidFill>
+              </a:rPr>
+              <a:t># from cli</a:t>
+            </a:r>
+          </a:p>
+          <a:p>
+            <a:r>
+              <a:rPr lang="en-US" dirty="0" smtClean="0"/>
+              <a:t>python –m dis </a:t>
+            </a:r>
+            <a:r>
+              <a:rPr lang="en-US" dirty="0" err="1" smtClean="0"/>
+              <a:t>sample.py</a:t>
+            </a:r>
+            <a:endParaRPr lang="en-US" dirty="0"/>
+          </a:p>
+        </p:txBody>
+      </p:sp>
+      <p:sp>
+        <p:nvSpPr>
+          <p:cNvPr id="6" name="TextBox 5"/>
+          <p:cNvSpPr txBox="1"/>
+          <p:nvPr/>
+        </p:nvSpPr>
+        <p:spPr>
+          <a:xfrm>
+            <a:off x="880024" y="3470253"/>
+            <a:ext cx="4470122" cy="2031325"/>
+          </a:xfrm>
+          <a:prstGeom prst="rect">
+            <a:avLst/>
+          </a:prstGeom>
+          <a:noFill/>
+        </p:spPr>
+        <p:txBody>
+          <a:bodyPr wrap="square" rtlCol="0">
+            <a:spAutoFit/>
+          </a:bodyPr>
+          <a:lstStyle/>
+          <a:p>
+            <a:r>
+              <a:rPr lang="en-US" i="1" dirty="0" smtClean="0">
+                <a:solidFill>
+                  <a:schemeClr val="tx2">
+                    <a:lumMod val="50000"/>
+                    <a:lumOff val="50000"/>
+                  </a:schemeClr>
+                </a:solidFill>
+              </a:rPr>
+              <a:t># from your script</a:t>
+            </a:r>
+          </a:p>
+          <a:p>
+            <a:r>
+              <a:rPr lang="en-US" b="1" dirty="0"/>
+              <a:t>i</a:t>
+            </a:r>
+            <a:r>
+              <a:rPr lang="en-US" b="1" dirty="0" smtClean="0"/>
+              <a:t>mport</a:t>
+            </a:r>
+            <a:r>
+              <a:rPr lang="en-US" dirty="0" smtClean="0"/>
+              <a:t> dis</a:t>
+            </a:r>
+          </a:p>
+          <a:p>
+            <a:endParaRPr lang="en-US" dirty="0"/>
+          </a:p>
+          <a:p>
+            <a:r>
+              <a:rPr lang="en-US" b="1" dirty="0" err="1"/>
+              <a:t>d</a:t>
+            </a:r>
+            <a:r>
+              <a:rPr lang="en-US" b="1" dirty="0" err="1" smtClean="0"/>
+              <a:t>ef</a:t>
+            </a:r>
+            <a:r>
+              <a:rPr lang="en-US" dirty="0" smtClean="0"/>
+              <a:t> test():</a:t>
+            </a:r>
+          </a:p>
+          <a:p>
+            <a:r>
+              <a:rPr lang="en-US" dirty="0"/>
+              <a:t> </a:t>
+            </a:r>
+            <a:r>
+              <a:rPr lang="en-US" dirty="0" smtClean="0"/>
+              <a:t>   </a:t>
+            </a:r>
+            <a:r>
+              <a:rPr lang="en-US" b="1" dirty="0" smtClean="0"/>
+              <a:t>print</a:t>
+            </a:r>
+            <a:r>
+              <a:rPr lang="en-US" dirty="0" smtClean="0"/>
+              <a:t> </a:t>
+            </a:r>
+            <a:r>
+              <a:rPr lang="en-US" dirty="0" smtClean="0">
+                <a:solidFill>
+                  <a:srgbClr val="FF6600"/>
+                </a:solidFill>
+              </a:rPr>
+              <a:t>“hello world”</a:t>
+            </a:r>
+          </a:p>
+          <a:p>
+            <a:endParaRPr lang="en-US" dirty="0"/>
+          </a:p>
+          <a:p>
+            <a:r>
+              <a:rPr lang="en-US" dirty="0" err="1"/>
+              <a:t>d</a:t>
+            </a:r>
+            <a:r>
+              <a:rPr lang="en-US" dirty="0" err="1" smtClean="0"/>
+              <a:t>is.dis</a:t>
+            </a:r>
+            <a:r>
+              <a:rPr lang="en-US" dirty="0" smtClean="0"/>
+              <a:t>(test)</a:t>
             </a:r>
             <a:endParaRPr lang="en-US" dirty="0"/>
           </a:p>
@@ -7507,7 +8095,7 @@
     </p:spTree>
     <p:extLst>
       <p:ext uri="{BB962C8B-B14F-4D97-AF65-F5344CB8AC3E}">
-        <p14:creationId xmlns:p14="http://schemas.microsoft.com/office/powerpoint/2010/main" val="2077503570"/>
+        <p14:creationId xmlns:p14="http://schemas.microsoft.com/office/powerpoint/2010/main" val="4144057030"/>
       </p:ext>
     </p:extLst>
   </p:cSld>
@@ -7551,48 +8139,7 @@
           <a:p>
             <a:r>
               <a:rPr lang="en-US" dirty="0" smtClean="0"/>
-              <a:t>Profiling</a:t>
-            </a:r>
-            <a:endParaRPr lang="en-US" dirty="0"/>
-          </a:p>
-        </p:txBody>
-      </p:sp>
-      <p:sp>
-        <p:nvSpPr>
-          <p:cNvPr id="3" name="Content Placeholder 2"/>
-          <p:cNvSpPr>
-            <a:spLocks noGrp="1"/>
-          </p:cNvSpPr>
-          <p:nvPr>
-            <p:ph idx="1"/>
-          </p:nvPr>
-        </p:nvSpPr>
-        <p:spPr/>
-        <p:txBody>
-          <a:bodyPr/>
-          <a:lstStyle/>
-          <a:p>
-            <a:r>
-              <a:rPr lang="en-US" dirty="0" smtClean="0"/>
-              <a:t>Inspect the runtime of your scripts</a:t>
-            </a:r>
-          </a:p>
-          <a:p>
-            <a:r>
-              <a:rPr lang="en-US" dirty="0" smtClean="0"/>
-              <a:t>Determine where time is most spent</a:t>
-            </a:r>
-          </a:p>
-          <a:p>
-            <a:r>
-              <a:rPr lang="en-US" dirty="0" smtClean="0"/>
-              <a:t>Helps to identify bottlenecks in your code</a:t>
-            </a:r>
-          </a:p>
-          <a:p>
-            <a:r>
-              <a:rPr lang="en-US" dirty="0" smtClean="0"/>
-              <a:t>Helps identify areas of optimization</a:t>
+              <a:t>Live Demo</a:t>
             </a:r>
             <a:endParaRPr lang="en-US" dirty="0"/>
           </a:p>
@@ -7601,13 +8148,20 @@
     </p:spTree>
     <p:extLst>
       <p:ext uri="{BB962C8B-B14F-4D97-AF65-F5344CB8AC3E}">
-        <p14:creationId xmlns:p14="http://schemas.microsoft.com/office/powerpoint/2010/main" val="2317506553"/>
+        <p14:creationId xmlns:p14="http://schemas.microsoft.com/office/powerpoint/2010/main" val="2077503570"/>
       </p:ext>
     </p:extLst>
   </p:cSld>
   <p:clrMapOvr>
     <a:masterClrMapping/>
   </p:clrMapOvr>
+  <p:timing>
+    <p:tnLst>
+      <p:par>
+        <p:cTn xmlns:p14="http://schemas.microsoft.com/office/powerpoint/2010/main" id="1" dur="indefinite" restart="never" nodeType="tmRoot"/>
+      </p:par>
+    </p:tnLst>
+  </p:timing>
 </p:sld>
 </file>
 
@@ -7644,12 +8198,8 @@
           <a:lstStyle/>
           <a:p>
             <a:r>
-              <a:rPr lang="en-US" dirty="0" err="1" smtClean="0"/>
-              <a:t>cProfile</a:t>
-            </a:r>
-            <a:r>
               <a:rPr lang="en-US" dirty="0" smtClean="0"/>
-              <a:t> and profile</a:t>
+              <a:t>Profiling</a:t>
             </a:r>
             <a:endParaRPr lang="en-US" dirty="0"/>
           </a:p>
@@ -7672,33 +8222,25 @@
           <a:p>
             <a:r>
               <a:rPr lang="en-US" dirty="0" smtClean="0"/>
-              <a:t>Both are profilers built into standard library</a:t>
-            </a:r>
-          </a:p>
-          <a:p>
-            <a:r>
-              <a:rPr lang="en-US" dirty="0" err="1" smtClean="0"/>
-              <a:t>cProfile</a:t>
-            </a:r>
+              <a:t>Inspect the runtime of your scripts</a:t>
+            </a:r>
+          </a:p>
+          <a:p>
             <a:r>
               <a:rPr lang="en-US" dirty="0" smtClean="0"/>
-              <a:t> is a C extension</a:t>
+              <a:t>Determine where time is most spent</a:t>
             </a:r>
           </a:p>
           <a:p>
             <a:r>
               <a:rPr lang="en-US" dirty="0" smtClean="0"/>
-              <a:t>profile is pure Python</a:t>
-            </a:r>
-          </a:p>
-          <a:p>
-            <a:r>
-              <a:rPr lang="en-US" dirty="0" err="1" smtClean="0"/>
-              <a:t>cProfile</a:t>
-            </a:r>
+              <a:t>Helps to identify bottlenecks in your code</a:t>
+            </a:r>
+          </a:p>
+          <a:p>
             <a:r>
               <a:rPr lang="en-US" dirty="0" smtClean="0"/>
-              <a:t> generally produces less overhead in profiling</a:t>
+              <a:t>Helps identify areas of optimization</a:t>
             </a:r>
             <a:endParaRPr lang="en-US" dirty="0"/>
           </a:p>
@@ -7707,13 +8249,20 @@
     </p:spTree>
     <p:extLst>
       <p:ext uri="{BB962C8B-B14F-4D97-AF65-F5344CB8AC3E}">
-        <p14:creationId xmlns:p14="http://schemas.microsoft.com/office/powerpoint/2010/main" val="1845122349"/>
+        <p14:creationId xmlns:p14="http://schemas.microsoft.com/office/powerpoint/2010/main" val="2317506553"/>
       </p:ext>
     </p:extLst>
   </p:cSld>
   <p:clrMapOvr>
     <a:masterClrMapping/>
   </p:clrMapOvr>
+  <p:timing>
+    <p:tnLst>
+      <p:par>
+        <p:cTn xmlns:p14="http://schemas.microsoft.com/office/powerpoint/2010/main" id="1" dur="indefinite" restart="never" nodeType="tmRoot"/>
+      </p:par>
+    </p:tnLst>
+  </p:timing>
 </p:sld>
 </file>
 
@@ -7736,364 +8285,76 @@
       </p:grpSpPr>
       <p:sp>
         <p:nvSpPr>
-          <p:cNvPr id="2" name="TextBox 1"/>
-          <p:cNvSpPr txBox="1"/>
-          <p:nvPr/>
-        </p:nvSpPr>
-        <p:spPr>
-          <a:xfrm>
-            <a:off x="940025" y="320023"/>
-            <a:ext cx="5080139" cy="6463309"/>
-          </a:xfrm>
-          <a:prstGeom prst="rect">
-            <a:avLst/>
-          </a:prstGeom>
-          <a:noFill/>
-        </p:spPr>
-        <p:txBody>
-          <a:bodyPr wrap="square" rtlCol="0">
-            <a:spAutoFit/>
-          </a:bodyPr>
-          <a:lstStyle/>
-          <a:p>
-            <a:r>
-              <a:rPr lang="en-US" i="1" dirty="0" smtClean="0">
-                <a:solidFill>
-                  <a:schemeClr val="tx2">
-                    <a:lumMod val="50000"/>
-                    <a:lumOff val="50000"/>
-                  </a:schemeClr>
-                </a:solidFill>
-              </a:rPr>
-              <a:t># </a:t>
-            </a:r>
-            <a:r>
-              <a:rPr lang="en-US" i="1" dirty="0" err="1" smtClean="0">
-                <a:solidFill>
-                  <a:schemeClr val="tx2">
-                    <a:lumMod val="50000"/>
-                    <a:lumOff val="50000"/>
-                  </a:schemeClr>
-                </a:solidFill>
-              </a:rPr>
-              <a:t>sample.py</a:t>
-            </a:r>
-            <a:endParaRPr lang="en-US" i="1" dirty="0" smtClean="0">
-              <a:solidFill>
-                <a:schemeClr val="tx2">
-                  <a:lumMod val="50000"/>
-                  <a:lumOff val="50000"/>
-                </a:schemeClr>
-              </a:solidFill>
-            </a:endParaRPr>
-          </a:p>
-          <a:p>
-            <a:r>
-              <a:rPr lang="en-US" b="1" dirty="0" smtClean="0"/>
-              <a:t>import</a:t>
+          <p:cNvPr id="2" name="Title 1"/>
+          <p:cNvSpPr>
+            <a:spLocks noGrp="1"/>
+          </p:cNvSpPr>
+          <p:nvPr>
+            <p:ph type="title"/>
+          </p:nvPr>
+        </p:nvSpPr>
+        <p:spPr/>
+        <p:txBody>
+          <a:bodyPr/>
+          <a:lstStyle/>
+          <a:p>
+            <a:r>
+              <a:rPr lang="en-US" dirty="0" err="1" smtClean="0"/>
+              <a:t>cProfile</a:t>
             </a:r>
             <a:r>
               <a:rPr lang="en-US" dirty="0" smtClean="0"/>
-              <a:t> </a:t>
-            </a:r>
-            <a:r>
-              <a:rPr lang="en-US" dirty="0"/>
-              <a:t>time</a:t>
-            </a:r>
-          </a:p>
-          <a:p>
+              <a:t> and profile</a:t>
+            </a:r>
             <a:endParaRPr lang="en-US" dirty="0"/>
           </a:p>
-          <a:p>
-            <a:endParaRPr lang="en-US" dirty="0"/>
-          </a:p>
-          <a:p>
-            <a:r>
-              <a:rPr lang="en-US" b="1" dirty="0" err="1"/>
-              <a:t>def</a:t>
-            </a:r>
-            <a:r>
-              <a:rPr lang="en-US" dirty="0"/>
-              <a:t> </a:t>
-            </a:r>
-            <a:r>
-              <a:rPr lang="en-US" dirty="0" err="1">
-                <a:solidFill>
-                  <a:srgbClr val="800000"/>
-                </a:solidFill>
-              </a:rPr>
-              <a:t>i_am_slow</a:t>
-            </a:r>
-            <a:r>
-              <a:rPr lang="en-US" dirty="0"/>
-              <a:t>(n):</a:t>
-            </a:r>
-          </a:p>
-          <a:p>
-            <a:r>
-              <a:rPr lang="en-US" dirty="0"/>
-              <a:t>    </a:t>
-            </a:r>
-            <a:r>
-              <a:rPr lang="en-US" dirty="0" err="1"/>
-              <a:t>time.sleep</a:t>
-            </a:r>
-            <a:r>
-              <a:rPr lang="en-US" dirty="0"/>
-              <a:t>(</a:t>
-            </a:r>
-            <a:r>
-              <a:rPr lang="en-US" dirty="0">
-                <a:solidFill>
-                  <a:srgbClr val="008000"/>
-                </a:solidFill>
-              </a:rPr>
-              <a:t>0.1</a:t>
-            </a:r>
-            <a:r>
-              <a:rPr lang="en-US" dirty="0"/>
-              <a:t>)</a:t>
-            </a:r>
-          </a:p>
-          <a:p>
-            <a:r>
-              <a:rPr lang="en-US" dirty="0"/>
-              <a:t>    </a:t>
-            </a:r>
-            <a:r>
-              <a:rPr lang="en-US" b="1" dirty="0"/>
-              <a:t>return</a:t>
-            </a:r>
-            <a:r>
-              <a:rPr lang="en-US" dirty="0"/>
-              <a:t> n - </a:t>
-            </a:r>
-            <a:r>
-              <a:rPr lang="en-US" dirty="0">
-                <a:solidFill>
-                  <a:srgbClr val="008000"/>
-                </a:solidFill>
-              </a:rPr>
-              <a:t>1</a:t>
-            </a:r>
-          </a:p>
-          <a:p>
-            <a:endParaRPr lang="en-US" dirty="0"/>
-          </a:p>
-          <a:p>
-            <a:endParaRPr lang="en-US" dirty="0"/>
-          </a:p>
-          <a:p>
-            <a:r>
-              <a:rPr lang="en-US" b="1" dirty="0" err="1"/>
-              <a:t>def</a:t>
-            </a:r>
-            <a:r>
-              <a:rPr lang="en-US" dirty="0"/>
-              <a:t> </a:t>
-            </a:r>
-            <a:r>
-              <a:rPr lang="en-US" dirty="0" err="1">
-                <a:solidFill>
-                  <a:srgbClr val="800000"/>
-                </a:solidFill>
-              </a:rPr>
-              <a:t>i_am_fast</a:t>
-            </a:r>
-            <a:r>
-              <a:rPr lang="en-US" dirty="0"/>
-              <a:t>(n):</a:t>
-            </a:r>
-          </a:p>
-          <a:p>
-            <a:r>
-              <a:rPr lang="en-US" dirty="0"/>
-              <a:t>    </a:t>
-            </a:r>
-            <a:r>
-              <a:rPr lang="en-US" b="1" dirty="0"/>
-              <a:t>return</a:t>
-            </a:r>
-            <a:r>
-              <a:rPr lang="en-US" dirty="0"/>
-              <a:t> n - </a:t>
-            </a:r>
-            <a:r>
-              <a:rPr lang="en-US" dirty="0">
-                <a:solidFill>
-                  <a:srgbClr val="008000"/>
-                </a:solidFill>
-              </a:rPr>
-              <a:t>1</a:t>
-            </a:r>
-          </a:p>
-          <a:p>
-            <a:endParaRPr lang="en-US" dirty="0"/>
-          </a:p>
-          <a:p>
-            <a:endParaRPr lang="en-US" dirty="0"/>
-          </a:p>
-          <a:p>
-            <a:r>
-              <a:rPr lang="en-US" b="1" dirty="0" err="1"/>
-              <a:t>def</a:t>
-            </a:r>
-            <a:r>
-              <a:rPr lang="en-US" dirty="0"/>
-              <a:t> </a:t>
-            </a:r>
-            <a:r>
-              <a:rPr lang="en-US" dirty="0">
-                <a:solidFill>
-                  <a:srgbClr val="800000"/>
-                </a:solidFill>
-              </a:rPr>
-              <a:t>parent</a:t>
-            </a:r>
-            <a:r>
-              <a:rPr lang="en-US" dirty="0"/>
-              <a:t>(total):</a:t>
-            </a:r>
-          </a:p>
-          <a:p>
-            <a:r>
-              <a:rPr lang="en-US" dirty="0"/>
-              <a:t>    </a:t>
-            </a:r>
-            <a:r>
-              <a:rPr lang="en-US" b="1" dirty="0"/>
-              <a:t>for</a:t>
-            </a:r>
-            <a:r>
-              <a:rPr lang="en-US" dirty="0"/>
-              <a:t> n </a:t>
-            </a:r>
-            <a:r>
-              <a:rPr lang="en-US" b="1" dirty="0"/>
-              <a:t>in</a:t>
-            </a:r>
-            <a:r>
-              <a:rPr lang="en-US" dirty="0"/>
-              <a:t> </a:t>
-            </a:r>
-            <a:r>
-              <a:rPr lang="en-US" dirty="0" err="1">
-                <a:solidFill>
-                  <a:srgbClr val="3366FF"/>
-                </a:solidFill>
-              </a:rPr>
-              <a:t>xrange</a:t>
-            </a:r>
-            <a:r>
-              <a:rPr lang="en-US" dirty="0"/>
-              <a:t>(total):</a:t>
-            </a:r>
-          </a:p>
-          <a:p>
-            <a:r>
-              <a:rPr lang="en-US" dirty="0"/>
-              <a:t>        </a:t>
-            </a:r>
-            <a:r>
-              <a:rPr lang="en-US" b="1" dirty="0"/>
-              <a:t>if</a:t>
-            </a:r>
-            <a:r>
-              <a:rPr lang="en-US" dirty="0"/>
-              <a:t> n % </a:t>
-            </a:r>
-            <a:r>
-              <a:rPr lang="en-US" dirty="0">
-                <a:solidFill>
-                  <a:srgbClr val="008000"/>
-                </a:solidFill>
-              </a:rPr>
-              <a:t>2</a:t>
-            </a:r>
-            <a:r>
-              <a:rPr lang="en-US" dirty="0"/>
-              <a:t> == </a:t>
-            </a:r>
-            <a:r>
-              <a:rPr lang="en-US" dirty="0">
-                <a:solidFill>
-                  <a:srgbClr val="008000"/>
-                </a:solidFill>
-              </a:rPr>
-              <a:t>0</a:t>
-            </a:r>
-            <a:r>
-              <a:rPr lang="en-US" dirty="0"/>
-              <a:t>:</a:t>
-            </a:r>
-          </a:p>
-          <a:p>
-            <a:r>
-              <a:rPr lang="en-US" dirty="0"/>
-              <a:t>            </a:t>
-            </a:r>
-            <a:r>
-              <a:rPr lang="en-US" dirty="0" err="1"/>
-              <a:t>i_am_slow</a:t>
-            </a:r>
-            <a:r>
-              <a:rPr lang="en-US" dirty="0"/>
-              <a:t>(n)</a:t>
-            </a:r>
-          </a:p>
-          <a:p>
-            <a:r>
-              <a:rPr lang="en-US" dirty="0"/>
-              <a:t>        </a:t>
-            </a:r>
-            <a:r>
-              <a:rPr lang="en-US" b="1" dirty="0"/>
-              <a:t>else</a:t>
-            </a:r>
-            <a:r>
-              <a:rPr lang="en-US" dirty="0"/>
-              <a:t>:</a:t>
-            </a:r>
-          </a:p>
-          <a:p>
-            <a:r>
-              <a:rPr lang="en-US" dirty="0"/>
-              <a:t>            </a:t>
-            </a:r>
-            <a:r>
-              <a:rPr lang="en-US" dirty="0" err="1"/>
-              <a:t>i_am_fast</a:t>
-            </a:r>
-            <a:r>
-              <a:rPr lang="en-US" dirty="0"/>
-              <a:t>(n)</a:t>
-            </a:r>
-          </a:p>
-          <a:p>
-            <a:endParaRPr lang="en-US" dirty="0"/>
-          </a:p>
-          <a:p>
-            <a:endParaRPr lang="en-US" dirty="0"/>
-          </a:p>
-          <a:p>
-            <a:r>
-              <a:rPr lang="en-US" dirty="0"/>
-              <a:t>parent(</a:t>
-            </a:r>
-            <a:r>
-              <a:rPr lang="en-US" dirty="0">
-                <a:solidFill>
-                  <a:srgbClr val="008000"/>
-                </a:solidFill>
-              </a:rPr>
-              <a:t>100</a:t>
-            </a:r>
-            <a:r>
-              <a:rPr lang="en-US" dirty="0"/>
-              <a:t>)</a:t>
-            </a:r>
-          </a:p>
-          <a:p>
+        </p:txBody>
+      </p:sp>
+      <p:sp>
+        <p:nvSpPr>
+          <p:cNvPr id="3" name="Content Placeholder 2"/>
+          <p:cNvSpPr>
+            <a:spLocks noGrp="1"/>
+          </p:cNvSpPr>
+          <p:nvPr>
+            <p:ph idx="1"/>
+          </p:nvPr>
+        </p:nvSpPr>
+        <p:spPr/>
+        <p:txBody>
+          <a:bodyPr/>
+          <a:lstStyle/>
+          <a:p>
+            <a:r>
+              <a:rPr lang="en-US" dirty="0" smtClean="0"/>
+              <a:t>Both are profilers built into standard library</a:t>
+            </a:r>
+          </a:p>
+          <a:p>
+            <a:r>
+              <a:rPr lang="en-US" dirty="0" err="1" smtClean="0"/>
+              <a:t>cProfile</a:t>
+            </a:r>
+            <a:r>
+              <a:rPr lang="en-US" dirty="0" smtClean="0"/>
+              <a:t> is a C extension</a:t>
+            </a:r>
+          </a:p>
+          <a:p>
+            <a:r>
+              <a:rPr lang="en-US" dirty="0" smtClean="0"/>
+              <a:t>profile is pure Python</a:t>
+            </a:r>
+          </a:p>
+          <a:p>
+            <a:r>
+              <a:rPr lang="en-US" dirty="0" err="1" smtClean="0"/>
+              <a:t>cProfile</a:t>
+            </a:r>
+            <a:r>
+              <a:rPr lang="en-US" dirty="0" smtClean="0"/>
+              <a:t> generally produces less overhead in profiling</a:t>
+            </a:r>
             <a:endParaRPr lang="en-US" dirty="0"/>
           </a:p>
         </p:txBody>
@@ -8101,13 +8362,20 @@
     </p:spTree>
     <p:extLst>
       <p:ext uri="{BB962C8B-B14F-4D97-AF65-F5344CB8AC3E}">
-        <p14:creationId xmlns:p14="http://schemas.microsoft.com/office/powerpoint/2010/main" val="1551170967"/>
+        <p14:creationId xmlns:p14="http://schemas.microsoft.com/office/powerpoint/2010/main" val="1845122349"/>
       </p:ext>
     </p:extLst>
   </p:cSld>
   <p:clrMapOvr>
     <a:masterClrMapping/>
   </p:clrMapOvr>
+  <p:timing>
+    <p:tnLst>
+      <p:par>
+        <p:cTn xmlns:p14="http://schemas.microsoft.com/office/powerpoint/2010/main" id="1" dur="indefinite" restart="never" nodeType="tmRoot"/>
+      </p:par>
+    </p:tnLst>
+  </p:timing>
 </p:sld>
 </file>
 

--- a/profile dis pdb.pptx
+++ b/profile dis pdb.pptx
@@ -19,8 +19,8 @@
     <p:sldId id="266" r:id="rId13"/>
     <p:sldId id="267" r:id="rId14"/>
     <p:sldId id="268" r:id="rId15"/>
-    <p:sldId id="270" r:id="rId16"/>
-    <p:sldId id="275" r:id="rId17"/>
+    <p:sldId id="275" r:id="rId16"/>
+    <p:sldId id="270" r:id="rId17"/>
     <p:sldId id="271" r:id="rId18"/>
     <p:sldId id="272" r:id="rId19"/>
     <p:sldId id="273" r:id="rId20"/>
@@ -5445,6 +5445,13 @@
   <p:clrMapOvr>
     <a:masterClrMapping/>
   </p:clrMapOvr>
+  <p:timing>
+    <p:tnLst>
+      <p:par>
+        <p:cTn xmlns:p14="http://schemas.microsoft.com/office/powerpoint/2010/main" id="1" dur="indefinite" restart="never" nodeType="tmRoot"/>
+      </p:par>
+    </p:tnLst>
+  </p:timing>
 </p:sld>
 </file>
 
@@ -5747,6 +5754,13 @@
   <p:clrMapOvr>
     <a:masterClrMapping/>
   </p:clrMapOvr>
+  <p:timing>
+    <p:tnLst>
+      <p:par>
+        <p:cTn xmlns:p14="http://schemas.microsoft.com/office/powerpoint/2010/main" id="1" dur="indefinite" restart="never" nodeType="tmRoot"/>
+      </p:par>
+    </p:tnLst>
+  </p:timing>
 </p:sld>
 </file>
 
@@ -5856,6 +5870,13 @@
   <p:clrMapOvr>
     <a:masterClrMapping/>
   </p:clrMapOvr>
+  <p:timing>
+    <p:tnLst>
+      <p:par>
+        <p:cTn xmlns:p14="http://schemas.microsoft.com/office/powerpoint/2010/main" id="1" dur="indefinite" restart="never" nodeType="tmRoot"/>
+      </p:par>
+    </p:tnLst>
+  </p:timing>
 </p:sld>
 </file>
 
@@ -6022,6 +6043,13 @@
   <p:clrMapOvr>
     <a:masterClrMapping/>
   </p:clrMapOvr>
+  <p:timing>
+    <p:tnLst>
+      <p:par>
+        <p:cTn xmlns:p14="http://schemas.microsoft.com/office/powerpoint/2010/main" id="1" dur="indefinite" restart="never" nodeType="tmRoot"/>
+      </p:par>
+    </p:tnLst>
+  </p:timing>
 </p:sld>
 </file>
 
@@ -6365,6 +6393,13 @@
   <p:clrMapOvr>
     <a:masterClrMapping/>
   </p:clrMapOvr>
+  <p:timing>
+    <p:tnLst>
+      <p:par>
+        <p:cTn xmlns:p14="http://schemas.microsoft.com/office/powerpoint/2010/main" id="1" dur="indefinite" restart="never" nodeType="tmRoot"/>
+      </p:par>
+    </p:tnLst>
+  </p:timing>
 </p:sld>
 </file>
 
@@ -6402,50 +6437,29 @@
           <a:p>
             <a:r>
               <a:rPr lang="en-US" dirty="0" smtClean="0"/>
-              <a:t>Debugging</a:t>
+              <a:t>Live Demo</a:t>
             </a:r>
             <a:endParaRPr lang="en-US" dirty="0"/>
-          </a:p>
-        </p:txBody>
-      </p:sp>
-      <p:sp>
-        <p:nvSpPr>
-          <p:cNvPr id="3" name="Content Placeholder 2"/>
-          <p:cNvSpPr>
-            <a:spLocks noGrp="1"/>
-          </p:cNvSpPr>
-          <p:nvPr>
-            <p:ph idx="1"/>
-          </p:nvPr>
-        </p:nvSpPr>
-        <p:spPr/>
-        <p:txBody>
-          <a:bodyPr/>
-          <a:lstStyle/>
-          <a:p>
-            <a:r>
-              <a:rPr lang="en-US" dirty="0" smtClean="0"/>
-              <a:t>Following executions paths of your scripts</a:t>
-            </a:r>
-          </a:p>
-          <a:p>
-            <a:r>
-              <a:rPr lang="en-US" dirty="0" smtClean="0"/>
-              <a:t>Helps to find bugs in execution of your scripts</a:t>
-            </a:r>
           </a:p>
         </p:txBody>
       </p:sp>
     </p:spTree>
     <p:extLst>
       <p:ext uri="{BB962C8B-B14F-4D97-AF65-F5344CB8AC3E}">
-        <p14:creationId xmlns:p14="http://schemas.microsoft.com/office/powerpoint/2010/main" val="2213329654"/>
+        <p14:creationId xmlns:p14="http://schemas.microsoft.com/office/powerpoint/2010/main" val="2172428809"/>
       </p:ext>
     </p:extLst>
   </p:cSld>
   <p:clrMapOvr>
     <a:masterClrMapping/>
   </p:clrMapOvr>
+  <p:timing>
+    <p:tnLst>
+      <p:par>
+        <p:cTn xmlns:p14="http://schemas.microsoft.com/office/powerpoint/2010/main" id="1" dur="indefinite" restart="never" nodeType="tmRoot"/>
+      </p:par>
+    </p:tnLst>
+  </p:timing>
 </p:sld>
 </file>
 
@@ -6483,22 +6497,57 @@
           <a:p>
             <a:r>
               <a:rPr lang="en-US" dirty="0" smtClean="0"/>
-              <a:t>Live Demo</a:t>
+              <a:t>Debugging</a:t>
             </a:r>
             <a:endParaRPr lang="en-US" dirty="0"/>
+          </a:p>
+        </p:txBody>
+      </p:sp>
+      <p:sp>
+        <p:nvSpPr>
+          <p:cNvPr id="3" name="Content Placeholder 2"/>
+          <p:cNvSpPr>
+            <a:spLocks noGrp="1"/>
+          </p:cNvSpPr>
+          <p:nvPr>
+            <p:ph idx="1"/>
+          </p:nvPr>
+        </p:nvSpPr>
+        <p:spPr/>
+        <p:txBody>
+          <a:bodyPr/>
+          <a:lstStyle/>
+          <a:p>
+            <a:r>
+              <a:rPr lang="en-US" dirty="0" smtClean="0"/>
+              <a:t>Following executions paths of your scripts</a:t>
+            </a:r>
+          </a:p>
+          <a:p>
+            <a:r>
+              <a:rPr lang="en-US" dirty="0" smtClean="0"/>
+              <a:t>Helps to find bugs in execution of your scripts</a:t>
+            </a:r>
           </a:p>
         </p:txBody>
       </p:sp>
     </p:spTree>
     <p:extLst>
       <p:ext uri="{BB962C8B-B14F-4D97-AF65-F5344CB8AC3E}">
-        <p14:creationId xmlns:p14="http://schemas.microsoft.com/office/powerpoint/2010/main" val="2172428809"/>
+        <p14:creationId xmlns:p14="http://schemas.microsoft.com/office/powerpoint/2010/main" val="2213329654"/>
       </p:ext>
     </p:extLst>
   </p:cSld>
   <p:clrMapOvr>
     <a:masterClrMapping/>
   </p:clrMapOvr>
+  <p:timing>
+    <p:tnLst>
+      <p:par>
+        <p:cTn xmlns:p14="http://schemas.microsoft.com/office/powerpoint/2010/main" id="1" dur="indefinite" restart="never" nodeType="tmRoot"/>
+      </p:par>
+    </p:tnLst>
+  </p:timing>
 </p:sld>
 </file>
 
@@ -6609,6 +6658,13 @@
   <p:clrMapOvr>
     <a:masterClrMapping/>
   </p:clrMapOvr>
+  <p:timing>
+    <p:tnLst>
+      <p:par>
+        <p:cTn xmlns:p14="http://schemas.microsoft.com/office/powerpoint/2010/main" id="1" dur="indefinite" restart="never" nodeType="tmRoot"/>
+      </p:par>
+    </p:tnLst>
+  </p:timing>
 </p:sld>
 </file>
 
@@ -6905,6 +6961,13 @@
   <p:clrMapOvr>
     <a:masterClrMapping/>
   </p:clrMapOvr>
+  <p:timing>
+    <p:tnLst>
+      <p:par>
+        <p:cTn xmlns:p14="http://schemas.microsoft.com/office/powerpoint/2010/main" id="1" dur="indefinite" restart="never" nodeType="tmRoot"/>
+      </p:par>
+    </p:tnLst>
+  </p:timing>
 </p:sld>
 </file>
 
@@ -7091,6 +7154,13 @@
   <p:clrMapOvr>
     <a:masterClrMapping/>
   </p:clrMapOvr>
+  <p:timing>
+    <p:tnLst>
+      <p:par>
+        <p:cTn xmlns:p14="http://schemas.microsoft.com/office/powerpoint/2010/main" id="1" dur="indefinite" restart="never" nodeType="tmRoot"/>
+      </p:par>
+    </p:tnLst>
+  </p:timing>
 </p:sld>
 </file>
 
@@ -7268,6 +7338,13 @@
   <p:clrMapOvr>
     <a:masterClrMapping/>
   </p:clrMapOvr>
+  <p:timing>
+    <p:tnLst>
+      <p:par>
+        <p:cTn xmlns:p14="http://schemas.microsoft.com/office/powerpoint/2010/main" id="1" dur="indefinite" restart="never" nodeType="tmRoot"/>
+      </p:par>
+    </p:tnLst>
+  </p:timing>
 </p:sld>
 </file>
 
@@ -7321,6 +7398,13 @@
   <p:clrMapOvr>
     <a:masterClrMapping/>
   </p:clrMapOvr>
+  <p:timing>
+    <p:tnLst>
+      <p:par>
+        <p:cTn xmlns:p14="http://schemas.microsoft.com/office/powerpoint/2010/main" id="1" dur="indefinite" restart="never" nodeType="tmRoot"/>
+      </p:par>
+    </p:tnLst>
+  </p:timing>
 </p:sld>
 </file>
 
@@ -7374,6 +7458,13 @@
   <p:clrMapOvr>
     <a:masterClrMapping/>
   </p:clrMapOvr>
+  <p:timing>
+    <p:tnLst>
+      <p:par>
+        <p:cTn xmlns:p14="http://schemas.microsoft.com/office/powerpoint/2010/main" id="1" dur="indefinite" restart="never" nodeType="tmRoot"/>
+      </p:par>
+    </p:tnLst>
+  </p:timing>
 </p:sld>
 </file>
 
@@ -8102,6 +8193,13 @@
   <p:clrMapOvr>
     <a:masterClrMapping/>
   </p:clrMapOvr>
+  <p:timing>
+    <p:tnLst>
+      <p:par>
+        <p:cTn xmlns:p14="http://schemas.microsoft.com/office/powerpoint/2010/main" id="1" dur="indefinite" restart="never" nodeType="tmRoot"/>
+      </p:par>
+    </p:tnLst>
+  </p:timing>
 </p:sld>
 </file>
 
